--- a/EMPLOYEE PERFORMANCE PPT.pptx
+++ b/EMPLOYEE PERFORMANCE PPT.pptx
@@ -121,7 +121,7 @@
   </p:defaultTextStyle>
   <p:extLst>
     <p:ext uri="{EFAFB233-063F-42B5-8137-9DF3F51BA10A}">
-      <p15:sldGuideLst xmlns:p15="http://schemas.microsoft.com/office/powerpoint/2012/main"/>
+      <p15:sldGuideLst xmlns="" xmlns:p15="http://schemas.microsoft.com/office/powerpoint/2012/main"/>
     </p:ext>
   </p:extLst>
 </p:presentation>
@@ -229,7 +229,8 @@
           <a:p>
             <a:fld id="{7487ADD9-2083-264C-A652-8D52D02F7E72}" type="datetimeFigureOut">
               <a:rPr lang="en-US" smtClean="0"/>
-              <a:t>8/28/2024</a:t>
+              <a:pPr/>
+              <a:t>9/5/2024</a:t>
             </a:fld>
             <a:endParaRPr lang="en-US" dirty="0"/>
           </a:p>
@@ -387,6 +388,7 @@
           <a:p>
             <a:fld id="{F97DC217-DF71-1A49-B3EA-559F1F43B0FF}" type="slidenum">
               <a:rPr lang="en-US" smtClean="0"/>
+              <a:pPr/>
               <a:t>‹#›</a:t>
             </a:fld>
             <a:endParaRPr lang="en-US" dirty="0"/>
@@ -396,7 +398,7 @@
     </p:spTree>
     <p:extLst>
       <p:ext uri="{BB962C8B-B14F-4D97-AF65-F5344CB8AC3E}">
-        <p14:creationId xmlns:p14="http://schemas.microsoft.com/office/powerpoint/2010/main" val="2846425201"/>
+        <p14:creationId xmlns="" xmlns:p14="http://schemas.microsoft.com/office/powerpoint/2010/main" val="2846425201"/>
       </p:ext>
     </p:extLst>
   </p:cSld>
@@ -518,7 +520,7 @@
           <p:cNvPr id="2" name="Title 1">
             <a:extLst>
               <a:ext uri="{FF2B5EF4-FFF2-40B4-BE49-F238E27FC236}">
-                <a16:creationId xmlns:a16="http://schemas.microsoft.com/office/drawing/2014/main" id="{494248F2-5264-4601-AA0B-6C092F77F2DD}"/>
+                <a16:creationId xmlns="" xmlns:a16="http://schemas.microsoft.com/office/drawing/2014/main" id="{494248F2-5264-4601-AA0B-6C092F77F2DD}"/>
               </a:ext>
             </a:extLst>
           </p:cNvPr>
@@ -560,7 +562,7 @@
           <p:cNvPr id="3" name="Subtitle 2">
             <a:extLst>
               <a:ext uri="{FF2B5EF4-FFF2-40B4-BE49-F238E27FC236}">
-                <a16:creationId xmlns:a16="http://schemas.microsoft.com/office/drawing/2014/main" id="{DCFB69D3-5632-4285-A209-9DCA67DA668C}"/>
+                <a16:creationId xmlns="" xmlns:a16="http://schemas.microsoft.com/office/drawing/2014/main" id="{DCFB69D3-5632-4285-A209-9DCA67DA668C}"/>
               </a:ext>
             </a:extLst>
           </p:cNvPr>
@@ -635,7 +637,7 @@
           <p:cNvPr id="4" name="Rectangle 3">
             <a:extLst>
               <a:ext uri="{FF2B5EF4-FFF2-40B4-BE49-F238E27FC236}">
-                <a16:creationId xmlns:a16="http://schemas.microsoft.com/office/drawing/2014/main" id="{9AC79249-FDC0-364D-A734-AE1DE1605D28}"/>
+                <a16:creationId xmlns="" xmlns:a16="http://schemas.microsoft.com/office/drawing/2014/main" id="{9AC79249-FDC0-364D-A734-AE1DE1605D28}"/>
               </a:ext>
             </a:extLst>
           </p:cNvPr>
@@ -687,7 +689,7 @@
           <p:cNvPr id="5" name="Oval 4">
             <a:extLst>
               <a:ext uri="{FF2B5EF4-FFF2-40B4-BE49-F238E27FC236}">
-                <a16:creationId xmlns:a16="http://schemas.microsoft.com/office/drawing/2014/main" id="{902465C8-266D-104C-9C49-323DF4A8277E}"/>
+                <a16:creationId xmlns="" xmlns:a16="http://schemas.microsoft.com/office/drawing/2014/main" id="{902465C8-266D-104C-9C49-323DF4A8277E}"/>
               </a:ext>
             </a:extLst>
           </p:cNvPr>
@@ -736,7 +738,7 @@
           <p:cNvPr id="11" name="Freeform 10">
             <a:extLst>
               <a:ext uri="{FF2B5EF4-FFF2-40B4-BE49-F238E27FC236}">
-                <a16:creationId xmlns:a16="http://schemas.microsoft.com/office/drawing/2014/main" id="{37979A1C-BF60-B345-A664-2E4F7A3461EB}"/>
+                <a16:creationId xmlns="" xmlns:a16="http://schemas.microsoft.com/office/drawing/2014/main" id="{37979A1C-BF60-B345-A664-2E4F7A3461EB}"/>
               </a:ext>
             </a:extLst>
           </p:cNvPr>
@@ -835,7 +837,7 @@
           <p:cNvPr id="9" name="Freeform 8">
             <a:extLst>
               <a:ext uri="{FF2B5EF4-FFF2-40B4-BE49-F238E27FC236}">
-                <a16:creationId xmlns:a16="http://schemas.microsoft.com/office/drawing/2014/main" id="{58080B3E-915C-2D4C-8608-596E1BFD6387}"/>
+                <a16:creationId xmlns="" xmlns:a16="http://schemas.microsoft.com/office/drawing/2014/main" id="{58080B3E-915C-2D4C-8608-596E1BFD6387}"/>
               </a:ext>
             </a:extLst>
           </p:cNvPr>
@@ -934,7 +936,7 @@
           <p:cNvPr id="6" name="Group 5">
             <a:extLst>
               <a:ext uri="{FF2B5EF4-FFF2-40B4-BE49-F238E27FC236}">
-                <a16:creationId xmlns:a16="http://schemas.microsoft.com/office/drawing/2014/main" id="{F15FBB50-09C8-B64E-AE57-67C5E70810CB}"/>
+                <a16:creationId xmlns="" xmlns:a16="http://schemas.microsoft.com/office/drawing/2014/main" id="{F15FBB50-09C8-B64E-AE57-67C5E70810CB}"/>
               </a:ext>
             </a:extLst>
           </p:cNvPr>
@@ -954,7 +956,7 @@
             <p:cNvPr id="15" name="Freeform 14">
               <a:extLst>
                 <a:ext uri="{FF2B5EF4-FFF2-40B4-BE49-F238E27FC236}">
-                  <a16:creationId xmlns:a16="http://schemas.microsoft.com/office/drawing/2014/main" id="{EFBF1E52-11FA-DC48-B7AD-75734232FFE8}"/>
+                  <a16:creationId xmlns="" xmlns:a16="http://schemas.microsoft.com/office/drawing/2014/main" id="{EFBF1E52-11FA-DC48-B7AD-75734232FFE8}"/>
                 </a:ext>
               </a:extLst>
             </p:cNvPr>
@@ -1079,7 +1081,7 @@
             <p:cNvPr id="16" name="Freeform 15">
               <a:extLst>
                 <a:ext uri="{FF2B5EF4-FFF2-40B4-BE49-F238E27FC236}">
-                  <a16:creationId xmlns:a16="http://schemas.microsoft.com/office/drawing/2014/main" id="{4850B620-49F5-3748-84AF-682555D52792}"/>
+                  <a16:creationId xmlns="" xmlns:a16="http://schemas.microsoft.com/office/drawing/2014/main" id="{4850B620-49F5-3748-84AF-682555D52792}"/>
                 </a:ext>
               </a:extLst>
             </p:cNvPr>
@@ -1205,7 +1207,7 @@
           <p:cNvPr id="22" name="Freeform 21">
             <a:extLst>
               <a:ext uri="{FF2B5EF4-FFF2-40B4-BE49-F238E27FC236}">
-                <a16:creationId xmlns:a16="http://schemas.microsoft.com/office/drawing/2014/main" id="{BC68F289-2744-2F48-893A-3F17911625C8}"/>
+                <a16:creationId xmlns="" xmlns:a16="http://schemas.microsoft.com/office/drawing/2014/main" id="{BC68F289-2744-2F48-893A-3F17911625C8}"/>
               </a:ext>
             </a:extLst>
           </p:cNvPr>
@@ -1304,7 +1306,7 @@
           <p:cNvPr id="28" name="Freeform 27">
             <a:extLst>
               <a:ext uri="{FF2B5EF4-FFF2-40B4-BE49-F238E27FC236}">
-                <a16:creationId xmlns:a16="http://schemas.microsoft.com/office/drawing/2014/main" id="{9E240E8A-950E-7946-826C-415CB5DACA43}"/>
+                <a16:creationId xmlns="" xmlns:a16="http://schemas.microsoft.com/office/drawing/2014/main" id="{9E240E8A-950E-7946-826C-415CB5DACA43}"/>
               </a:ext>
             </a:extLst>
           </p:cNvPr>
@@ -1454,7 +1456,7 @@
     </p:spTree>
     <p:extLst>
       <p:ext uri="{BB962C8B-B14F-4D97-AF65-F5344CB8AC3E}">
-        <p14:creationId xmlns:p14="http://schemas.microsoft.com/office/powerpoint/2010/main" val="2916498579"/>
+        <p14:creationId xmlns="" xmlns:p14="http://schemas.microsoft.com/office/powerpoint/2010/main" val="2916498579"/>
       </p:ext>
     </p:extLst>
   </p:cSld>
@@ -1494,7 +1496,7 @@
           <p:cNvPr id="4" name="Freeform 3">
             <a:extLst>
               <a:ext uri="{FF2B5EF4-FFF2-40B4-BE49-F238E27FC236}">
-                <a16:creationId xmlns:a16="http://schemas.microsoft.com/office/drawing/2014/main" id="{6A7F6A3F-E1DD-A246-9A6D-5F9B18BA2588}"/>
+                <a16:creationId xmlns="" xmlns:a16="http://schemas.microsoft.com/office/drawing/2014/main" id="{6A7F6A3F-E1DD-A246-9A6D-5F9B18BA2588}"/>
               </a:ext>
             </a:extLst>
           </p:cNvPr>
@@ -1593,7 +1595,7 @@
           <p:cNvPr id="5" name="Freeform 4">
             <a:extLst>
               <a:ext uri="{FF2B5EF4-FFF2-40B4-BE49-F238E27FC236}">
-                <a16:creationId xmlns:a16="http://schemas.microsoft.com/office/drawing/2014/main" id="{055FD0FC-C8FF-6741-A364-A29CDC6F9495}"/>
+                <a16:creationId xmlns="" xmlns:a16="http://schemas.microsoft.com/office/drawing/2014/main" id="{055FD0FC-C8FF-6741-A364-A29CDC6F9495}"/>
               </a:ext>
             </a:extLst>
           </p:cNvPr>
@@ -1692,7 +1694,7 @@
           <p:cNvPr id="2" name="Title 1">
             <a:extLst>
               <a:ext uri="{FF2B5EF4-FFF2-40B4-BE49-F238E27FC236}">
-                <a16:creationId xmlns:a16="http://schemas.microsoft.com/office/drawing/2014/main" id="{3CD97974-B93C-4C96-B3F6-F69E3D6DE6CA}"/>
+                <a16:creationId xmlns="" xmlns:a16="http://schemas.microsoft.com/office/drawing/2014/main" id="{3CD97974-B93C-4C96-B3F6-F69E3D6DE6CA}"/>
               </a:ext>
             </a:extLst>
           </p:cNvPr>
@@ -1737,7 +1739,7 @@
           <p:cNvPr id="3" name="Content Placeholder 2">
             <a:extLst>
               <a:ext uri="{FF2B5EF4-FFF2-40B4-BE49-F238E27FC236}">
-                <a16:creationId xmlns:a16="http://schemas.microsoft.com/office/drawing/2014/main" id="{8A6FC6F2-80B4-49A7-9448-33FE2DF0E967}"/>
+                <a16:creationId xmlns="" xmlns:a16="http://schemas.microsoft.com/office/drawing/2014/main" id="{8A6FC6F2-80B4-49A7-9448-33FE2DF0E967}"/>
               </a:ext>
             </a:extLst>
           </p:cNvPr>
@@ -1848,7 +1850,7 @@
           <p:cNvPr id="10" name="Date Placeholder 3">
             <a:extLst>
               <a:ext uri="{FF2B5EF4-FFF2-40B4-BE49-F238E27FC236}">
-                <a16:creationId xmlns:a16="http://schemas.microsoft.com/office/drawing/2014/main" id="{7536C149-3EFE-A94E-902D-57CED00B2C0F}"/>
+                <a16:creationId xmlns="" xmlns:a16="http://schemas.microsoft.com/office/drawing/2014/main" id="{7536C149-3EFE-A94E-902D-57CED00B2C0F}"/>
               </a:ext>
             </a:extLst>
           </p:cNvPr>
@@ -1885,7 +1887,8 @@
           <a:p>
             <a:fld id="{AE46C21D-EBB5-4F3D-B06D-166777189317}" type="datetime1">
               <a:rPr lang="en-US" smtClean="0"/>
-              <a:t>8/28/2024</a:t>
+              <a:pPr/>
+              <a:t>9/5/2024</a:t>
             </a:fld>
             <a:endParaRPr lang="en-US" dirty="0"/>
           </a:p>
@@ -1896,7 +1899,7 @@
           <p:cNvPr id="11" name="Footer Placeholder 4">
             <a:extLst>
               <a:ext uri="{FF2B5EF4-FFF2-40B4-BE49-F238E27FC236}">
-                <a16:creationId xmlns:a16="http://schemas.microsoft.com/office/drawing/2014/main" id="{53CA1E78-F17D-F34D-9F81-0DBF44F37894}"/>
+                <a16:creationId xmlns="" xmlns:a16="http://schemas.microsoft.com/office/drawing/2014/main" id="{53CA1E78-F17D-F34D-9F81-0DBF44F37894}"/>
               </a:ext>
             </a:extLst>
           </p:cNvPr>
@@ -1943,7 +1946,7 @@
           <p:cNvPr id="12" name="Slide Number Placeholder 5">
             <a:extLst>
               <a:ext uri="{FF2B5EF4-FFF2-40B4-BE49-F238E27FC236}">
-                <a16:creationId xmlns:a16="http://schemas.microsoft.com/office/drawing/2014/main" id="{1FE54918-A625-F64F-A42E-A427E9B2D489}"/>
+                <a16:creationId xmlns="" xmlns:a16="http://schemas.microsoft.com/office/drawing/2014/main" id="{1FE54918-A625-F64F-A42E-A427E9B2D489}"/>
               </a:ext>
             </a:extLst>
           </p:cNvPr>
@@ -1990,7 +1993,7 @@
     </p:spTree>
     <p:extLst>
       <p:ext uri="{BB962C8B-B14F-4D97-AF65-F5344CB8AC3E}">
-        <p14:creationId xmlns:p14="http://schemas.microsoft.com/office/powerpoint/2010/main" val="569275536"/>
+        <p14:creationId xmlns="" xmlns:p14="http://schemas.microsoft.com/office/powerpoint/2010/main" val="569275536"/>
       </p:ext>
     </p:extLst>
   </p:cSld>
@@ -2022,7 +2025,7 @@
           <p:cNvPr id="2" name="Title 1">
             <a:extLst>
               <a:ext uri="{FF2B5EF4-FFF2-40B4-BE49-F238E27FC236}">
-                <a16:creationId xmlns:a16="http://schemas.microsoft.com/office/drawing/2014/main" id="{3CD97974-B93C-4C96-B3F6-F69E3D6DE6CA}"/>
+                <a16:creationId xmlns="" xmlns:a16="http://schemas.microsoft.com/office/drawing/2014/main" id="{3CD97974-B93C-4C96-B3F6-F69E3D6DE6CA}"/>
               </a:ext>
             </a:extLst>
           </p:cNvPr>
@@ -2064,7 +2067,7 @@
           <p:cNvPr id="3" name="Content Placeholder 2">
             <a:extLst>
               <a:ext uri="{FF2B5EF4-FFF2-40B4-BE49-F238E27FC236}">
-                <a16:creationId xmlns:a16="http://schemas.microsoft.com/office/drawing/2014/main" id="{8A6FC6F2-80B4-49A7-9448-33FE2DF0E967}"/>
+                <a16:creationId xmlns="" xmlns:a16="http://schemas.microsoft.com/office/drawing/2014/main" id="{8A6FC6F2-80B4-49A7-9448-33FE2DF0E967}"/>
               </a:ext>
             </a:extLst>
           </p:cNvPr>
@@ -2160,7 +2163,7 @@
           <p:cNvPr id="4" name="Freeform 3">
             <a:extLst>
               <a:ext uri="{FF2B5EF4-FFF2-40B4-BE49-F238E27FC236}">
-                <a16:creationId xmlns:a16="http://schemas.microsoft.com/office/drawing/2014/main" id="{6A7F6A3F-E1DD-A246-9A6D-5F9B18BA2588}"/>
+                <a16:creationId xmlns="" xmlns:a16="http://schemas.microsoft.com/office/drawing/2014/main" id="{6A7F6A3F-E1DD-A246-9A6D-5F9B18BA2588}"/>
               </a:ext>
             </a:extLst>
           </p:cNvPr>
@@ -2259,7 +2262,7 @@
           <p:cNvPr id="5" name="Freeform 4">
             <a:extLst>
               <a:ext uri="{FF2B5EF4-FFF2-40B4-BE49-F238E27FC236}">
-                <a16:creationId xmlns:a16="http://schemas.microsoft.com/office/drawing/2014/main" id="{055FD0FC-C8FF-6741-A364-A29CDC6F9495}"/>
+                <a16:creationId xmlns="" xmlns:a16="http://schemas.microsoft.com/office/drawing/2014/main" id="{055FD0FC-C8FF-6741-A364-A29CDC6F9495}"/>
               </a:ext>
             </a:extLst>
           </p:cNvPr>
@@ -2358,7 +2361,7 @@
           <p:cNvPr id="6" name="Freeform 5">
             <a:extLst>
               <a:ext uri="{FF2B5EF4-FFF2-40B4-BE49-F238E27FC236}">
-                <a16:creationId xmlns:a16="http://schemas.microsoft.com/office/drawing/2014/main" id="{D11C9832-A021-954E-A34F-2988D1189AE9}"/>
+                <a16:creationId xmlns="" xmlns:a16="http://schemas.microsoft.com/office/drawing/2014/main" id="{D11C9832-A021-954E-A34F-2988D1189AE9}"/>
               </a:ext>
             </a:extLst>
           </p:cNvPr>
@@ -2457,7 +2460,7 @@
           <p:cNvPr id="9" name="Group 8">
             <a:extLst>
               <a:ext uri="{FF2B5EF4-FFF2-40B4-BE49-F238E27FC236}">
-                <a16:creationId xmlns:a16="http://schemas.microsoft.com/office/drawing/2014/main" id="{9861BC34-DFBF-2D4F-B463-FCFBC08391FF}"/>
+                <a16:creationId xmlns="" xmlns:a16="http://schemas.microsoft.com/office/drawing/2014/main" id="{9861BC34-DFBF-2D4F-B463-FCFBC08391FF}"/>
               </a:ext>
             </a:extLst>
           </p:cNvPr>
@@ -2477,7 +2480,7 @@
             <p:cNvPr id="7" name="Freeform 6">
               <a:extLst>
                 <a:ext uri="{FF2B5EF4-FFF2-40B4-BE49-F238E27FC236}">
-                  <a16:creationId xmlns:a16="http://schemas.microsoft.com/office/drawing/2014/main" id="{55C37C19-F268-4A43-A0D4-3B1B38D48952}"/>
+                  <a16:creationId xmlns="" xmlns:a16="http://schemas.microsoft.com/office/drawing/2014/main" id="{55C37C19-F268-4A43-A0D4-3B1B38D48952}"/>
                 </a:ext>
               </a:extLst>
             </p:cNvPr>
@@ -2604,7 +2607,7 @@
             <p:cNvPr id="8" name="Freeform 7">
               <a:extLst>
                 <a:ext uri="{FF2B5EF4-FFF2-40B4-BE49-F238E27FC236}">
-                  <a16:creationId xmlns:a16="http://schemas.microsoft.com/office/drawing/2014/main" id="{E4F760E5-9D5D-E44F-AEBF-20CA8DE87D11}"/>
+                  <a16:creationId xmlns="" xmlns:a16="http://schemas.microsoft.com/office/drawing/2014/main" id="{E4F760E5-9D5D-E44F-AEBF-20CA8DE87D11}"/>
                 </a:ext>
               </a:extLst>
             </p:cNvPr>
@@ -2732,7 +2735,7 @@
           <p:cNvPr id="10" name="Date Placeholder 3">
             <a:extLst>
               <a:ext uri="{FF2B5EF4-FFF2-40B4-BE49-F238E27FC236}">
-                <a16:creationId xmlns:a16="http://schemas.microsoft.com/office/drawing/2014/main" id="{7536C149-3EFE-A94E-902D-57CED00B2C0F}"/>
+                <a16:creationId xmlns="" xmlns:a16="http://schemas.microsoft.com/office/drawing/2014/main" id="{7536C149-3EFE-A94E-902D-57CED00B2C0F}"/>
               </a:ext>
             </a:extLst>
           </p:cNvPr>
@@ -2769,7 +2772,8 @@
           <a:p>
             <a:fld id="{1DFFEA26-EB1D-498C-95CD-1ECE586790AA}" type="datetime1">
               <a:rPr lang="en-US" smtClean="0"/>
-              <a:t>8/28/2024</a:t>
+              <a:pPr/>
+              <a:t>9/5/2024</a:t>
             </a:fld>
             <a:endParaRPr lang="en-US" dirty="0"/>
           </a:p>
@@ -2780,7 +2784,7 @@
           <p:cNvPr id="11" name="Footer Placeholder 4">
             <a:extLst>
               <a:ext uri="{FF2B5EF4-FFF2-40B4-BE49-F238E27FC236}">
-                <a16:creationId xmlns:a16="http://schemas.microsoft.com/office/drawing/2014/main" id="{53CA1E78-F17D-F34D-9F81-0DBF44F37894}"/>
+                <a16:creationId xmlns="" xmlns:a16="http://schemas.microsoft.com/office/drawing/2014/main" id="{53CA1E78-F17D-F34D-9F81-0DBF44F37894}"/>
               </a:ext>
             </a:extLst>
           </p:cNvPr>
@@ -2827,7 +2831,7 @@
           <p:cNvPr id="12" name="Slide Number Placeholder 5">
             <a:extLst>
               <a:ext uri="{FF2B5EF4-FFF2-40B4-BE49-F238E27FC236}">
-                <a16:creationId xmlns:a16="http://schemas.microsoft.com/office/drawing/2014/main" id="{1FE54918-A625-F64F-A42E-A427E9B2D489}"/>
+                <a16:creationId xmlns="" xmlns:a16="http://schemas.microsoft.com/office/drawing/2014/main" id="{1FE54918-A625-F64F-A42E-A427E9B2D489}"/>
               </a:ext>
             </a:extLst>
           </p:cNvPr>
@@ -2876,7 +2880,7 @@
           <p:cNvPr id="13" name="Content Placeholder 2">
             <a:extLst>
               <a:ext uri="{FF2B5EF4-FFF2-40B4-BE49-F238E27FC236}">
-                <a16:creationId xmlns:a16="http://schemas.microsoft.com/office/drawing/2014/main" id="{94CA559C-3355-DE44-ACF9-BDB6083C4225}"/>
+                <a16:creationId xmlns="" xmlns:a16="http://schemas.microsoft.com/office/drawing/2014/main" id="{94CA559C-3355-DE44-ACF9-BDB6083C4225}"/>
               </a:ext>
             </a:extLst>
           </p:cNvPr>
@@ -2972,7 +2976,7 @@
           <p:cNvPr id="14" name="Content Placeholder 2">
             <a:extLst>
               <a:ext uri="{FF2B5EF4-FFF2-40B4-BE49-F238E27FC236}">
-                <a16:creationId xmlns:a16="http://schemas.microsoft.com/office/drawing/2014/main" id="{0B33DABA-7BF5-1147-BA5E-63B92F220E51}"/>
+                <a16:creationId xmlns="" xmlns:a16="http://schemas.microsoft.com/office/drawing/2014/main" id="{0B33DABA-7BF5-1147-BA5E-63B92F220E51}"/>
               </a:ext>
             </a:extLst>
           </p:cNvPr>
@@ -3068,7 +3072,7 @@
           <p:cNvPr id="15" name="Content Placeholder 2">
             <a:extLst>
               <a:ext uri="{FF2B5EF4-FFF2-40B4-BE49-F238E27FC236}">
-                <a16:creationId xmlns:a16="http://schemas.microsoft.com/office/drawing/2014/main" id="{1B05BEE9-8BC0-EC44-B913-DB6426DF2EA7}"/>
+                <a16:creationId xmlns="" xmlns:a16="http://schemas.microsoft.com/office/drawing/2014/main" id="{1B05BEE9-8BC0-EC44-B913-DB6426DF2EA7}"/>
               </a:ext>
             </a:extLst>
           </p:cNvPr>
@@ -3162,7 +3166,7 @@
     </p:spTree>
     <p:extLst>
       <p:ext uri="{BB962C8B-B14F-4D97-AF65-F5344CB8AC3E}">
-        <p14:creationId xmlns:p14="http://schemas.microsoft.com/office/powerpoint/2010/main" val="2131912741"/>
+        <p14:creationId xmlns="" xmlns:p14="http://schemas.microsoft.com/office/powerpoint/2010/main" val="2131912741"/>
       </p:ext>
     </p:extLst>
   </p:cSld>
@@ -3194,7 +3198,7 @@
           <p:cNvPr id="2" name="Title 1">
             <a:extLst>
               <a:ext uri="{FF2B5EF4-FFF2-40B4-BE49-F238E27FC236}">
-                <a16:creationId xmlns:a16="http://schemas.microsoft.com/office/drawing/2014/main" id="{3CD97974-B93C-4C96-B3F6-F69E3D6DE6CA}"/>
+                <a16:creationId xmlns="" xmlns:a16="http://schemas.microsoft.com/office/drawing/2014/main" id="{3CD97974-B93C-4C96-B3F6-F69E3D6DE6CA}"/>
               </a:ext>
             </a:extLst>
           </p:cNvPr>
@@ -3236,7 +3240,7 @@
           <p:cNvPr id="3" name="Content Placeholder 2">
             <a:extLst>
               <a:ext uri="{FF2B5EF4-FFF2-40B4-BE49-F238E27FC236}">
-                <a16:creationId xmlns:a16="http://schemas.microsoft.com/office/drawing/2014/main" id="{8A6FC6F2-80B4-49A7-9448-33FE2DF0E967}"/>
+                <a16:creationId xmlns="" xmlns:a16="http://schemas.microsoft.com/office/drawing/2014/main" id="{8A6FC6F2-80B4-49A7-9448-33FE2DF0E967}"/>
               </a:ext>
             </a:extLst>
           </p:cNvPr>
@@ -3332,7 +3336,7 @@
           <p:cNvPr id="4" name="Freeform 3">
             <a:extLst>
               <a:ext uri="{FF2B5EF4-FFF2-40B4-BE49-F238E27FC236}">
-                <a16:creationId xmlns:a16="http://schemas.microsoft.com/office/drawing/2014/main" id="{6A7F6A3F-E1DD-A246-9A6D-5F9B18BA2588}"/>
+                <a16:creationId xmlns="" xmlns:a16="http://schemas.microsoft.com/office/drawing/2014/main" id="{6A7F6A3F-E1DD-A246-9A6D-5F9B18BA2588}"/>
               </a:ext>
             </a:extLst>
           </p:cNvPr>
@@ -3431,7 +3435,7 @@
           <p:cNvPr id="5" name="Freeform 4">
             <a:extLst>
               <a:ext uri="{FF2B5EF4-FFF2-40B4-BE49-F238E27FC236}">
-                <a16:creationId xmlns:a16="http://schemas.microsoft.com/office/drawing/2014/main" id="{055FD0FC-C8FF-6741-A364-A29CDC6F9495}"/>
+                <a16:creationId xmlns="" xmlns:a16="http://schemas.microsoft.com/office/drawing/2014/main" id="{055FD0FC-C8FF-6741-A364-A29CDC6F9495}"/>
               </a:ext>
             </a:extLst>
           </p:cNvPr>
@@ -3532,7 +3536,7 @@
           <p:cNvPr id="6" name="Freeform 5">
             <a:extLst>
               <a:ext uri="{FF2B5EF4-FFF2-40B4-BE49-F238E27FC236}">
-                <a16:creationId xmlns:a16="http://schemas.microsoft.com/office/drawing/2014/main" id="{D11C9832-A021-954E-A34F-2988D1189AE9}"/>
+                <a16:creationId xmlns="" xmlns:a16="http://schemas.microsoft.com/office/drawing/2014/main" id="{D11C9832-A021-954E-A34F-2988D1189AE9}"/>
               </a:ext>
             </a:extLst>
           </p:cNvPr>
@@ -3633,7 +3637,7 @@
           <p:cNvPr id="9" name="Group 8">
             <a:extLst>
               <a:ext uri="{FF2B5EF4-FFF2-40B4-BE49-F238E27FC236}">
-                <a16:creationId xmlns:a16="http://schemas.microsoft.com/office/drawing/2014/main" id="{9861BC34-DFBF-2D4F-B463-FCFBC08391FF}"/>
+                <a16:creationId xmlns="" xmlns:a16="http://schemas.microsoft.com/office/drawing/2014/main" id="{9861BC34-DFBF-2D4F-B463-FCFBC08391FF}"/>
               </a:ext>
             </a:extLst>
           </p:cNvPr>
@@ -3653,7 +3657,7 @@
             <p:cNvPr id="7" name="Freeform 6">
               <a:extLst>
                 <a:ext uri="{FF2B5EF4-FFF2-40B4-BE49-F238E27FC236}">
-                  <a16:creationId xmlns:a16="http://schemas.microsoft.com/office/drawing/2014/main" id="{55C37C19-F268-4A43-A0D4-3B1B38D48952}"/>
+                  <a16:creationId xmlns="" xmlns:a16="http://schemas.microsoft.com/office/drawing/2014/main" id="{55C37C19-F268-4A43-A0D4-3B1B38D48952}"/>
                 </a:ext>
               </a:extLst>
             </p:cNvPr>
@@ -3780,7 +3784,7 @@
             <p:cNvPr id="8" name="Freeform 7">
               <a:extLst>
                 <a:ext uri="{FF2B5EF4-FFF2-40B4-BE49-F238E27FC236}">
-                  <a16:creationId xmlns:a16="http://schemas.microsoft.com/office/drawing/2014/main" id="{E4F760E5-9D5D-E44F-AEBF-20CA8DE87D11}"/>
+                  <a16:creationId xmlns="" xmlns:a16="http://schemas.microsoft.com/office/drawing/2014/main" id="{E4F760E5-9D5D-E44F-AEBF-20CA8DE87D11}"/>
                 </a:ext>
               </a:extLst>
             </p:cNvPr>
@@ -3908,7 +3912,7 @@
           <p:cNvPr id="10" name="Date Placeholder 3">
             <a:extLst>
               <a:ext uri="{FF2B5EF4-FFF2-40B4-BE49-F238E27FC236}">
-                <a16:creationId xmlns:a16="http://schemas.microsoft.com/office/drawing/2014/main" id="{7536C149-3EFE-A94E-902D-57CED00B2C0F}"/>
+                <a16:creationId xmlns="" xmlns:a16="http://schemas.microsoft.com/office/drawing/2014/main" id="{7536C149-3EFE-A94E-902D-57CED00B2C0F}"/>
               </a:ext>
             </a:extLst>
           </p:cNvPr>
@@ -3945,7 +3949,8 @@
           <a:p>
             <a:fld id="{539842EE-D56F-4F18-94E7-094CEF23F906}" type="datetime1">
               <a:rPr lang="en-US" smtClean="0"/>
-              <a:t>8/28/2024</a:t>
+              <a:pPr/>
+              <a:t>9/5/2024</a:t>
             </a:fld>
             <a:endParaRPr lang="en-US" dirty="0"/>
           </a:p>
@@ -3956,7 +3961,7 @@
           <p:cNvPr id="11" name="Footer Placeholder 4">
             <a:extLst>
               <a:ext uri="{FF2B5EF4-FFF2-40B4-BE49-F238E27FC236}">
-                <a16:creationId xmlns:a16="http://schemas.microsoft.com/office/drawing/2014/main" id="{53CA1E78-F17D-F34D-9F81-0DBF44F37894}"/>
+                <a16:creationId xmlns="" xmlns:a16="http://schemas.microsoft.com/office/drawing/2014/main" id="{53CA1E78-F17D-F34D-9F81-0DBF44F37894}"/>
               </a:ext>
             </a:extLst>
           </p:cNvPr>
@@ -4003,7 +4008,7 @@
           <p:cNvPr id="13" name="Content Placeholder 2">
             <a:extLst>
               <a:ext uri="{FF2B5EF4-FFF2-40B4-BE49-F238E27FC236}">
-                <a16:creationId xmlns:a16="http://schemas.microsoft.com/office/drawing/2014/main" id="{94CA559C-3355-DE44-ACF9-BDB6083C4225}"/>
+                <a16:creationId xmlns="" xmlns:a16="http://schemas.microsoft.com/office/drawing/2014/main" id="{94CA559C-3355-DE44-ACF9-BDB6083C4225}"/>
               </a:ext>
             </a:extLst>
           </p:cNvPr>
@@ -4099,7 +4104,7 @@
           <p:cNvPr id="14" name="Content Placeholder 2">
             <a:extLst>
               <a:ext uri="{FF2B5EF4-FFF2-40B4-BE49-F238E27FC236}">
-                <a16:creationId xmlns:a16="http://schemas.microsoft.com/office/drawing/2014/main" id="{0B33DABA-7BF5-1147-BA5E-63B92F220E51}"/>
+                <a16:creationId xmlns="" xmlns:a16="http://schemas.microsoft.com/office/drawing/2014/main" id="{0B33DABA-7BF5-1147-BA5E-63B92F220E51}"/>
               </a:ext>
             </a:extLst>
           </p:cNvPr>
@@ -4195,7 +4200,7 @@
           <p:cNvPr id="15" name="Content Placeholder 2">
             <a:extLst>
               <a:ext uri="{FF2B5EF4-FFF2-40B4-BE49-F238E27FC236}">
-                <a16:creationId xmlns:a16="http://schemas.microsoft.com/office/drawing/2014/main" id="{1B05BEE9-8BC0-EC44-B913-DB6426DF2EA7}"/>
+                <a16:creationId xmlns="" xmlns:a16="http://schemas.microsoft.com/office/drawing/2014/main" id="{1B05BEE9-8BC0-EC44-B913-DB6426DF2EA7}"/>
               </a:ext>
             </a:extLst>
           </p:cNvPr>
@@ -4291,7 +4296,7 @@
           <p:cNvPr id="16" name="Content Placeholder 2">
             <a:extLst>
               <a:ext uri="{FF2B5EF4-FFF2-40B4-BE49-F238E27FC236}">
-                <a16:creationId xmlns:a16="http://schemas.microsoft.com/office/drawing/2014/main" id="{43D62993-A055-DF4F-9286-4FFE3A5C7FD7}"/>
+                <a16:creationId xmlns="" xmlns:a16="http://schemas.microsoft.com/office/drawing/2014/main" id="{43D62993-A055-DF4F-9286-4FFE3A5C7FD7}"/>
               </a:ext>
             </a:extLst>
           </p:cNvPr>
@@ -4387,7 +4392,7 @@
           <p:cNvPr id="17" name="Content Placeholder 2">
             <a:extLst>
               <a:ext uri="{FF2B5EF4-FFF2-40B4-BE49-F238E27FC236}">
-                <a16:creationId xmlns:a16="http://schemas.microsoft.com/office/drawing/2014/main" id="{A896DA2E-4448-254C-86D1-9E16E63CC6A0}"/>
+                <a16:creationId xmlns="" xmlns:a16="http://schemas.microsoft.com/office/drawing/2014/main" id="{A896DA2E-4448-254C-86D1-9E16E63CC6A0}"/>
               </a:ext>
             </a:extLst>
           </p:cNvPr>
@@ -4483,7 +4488,7 @@
           <p:cNvPr id="12" name="Slide Number Placeholder 5">
             <a:extLst>
               <a:ext uri="{FF2B5EF4-FFF2-40B4-BE49-F238E27FC236}">
-                <a16:creationId xmlns:a16="http://schemas.microsoft.com/office/drawing/2014/main" id="{1FE54918-A625-F64F-A42E-A427E9B2D489}"/>
+                <a16:creationId xmlns="" xmlns:a16="http://schemas.microsoft.com/office/drawing/2014/main" id="{1FE54918-A625-F64F-A42E-A427E9B2D489}"/>
               </a:ext>
             </a:extLst>
           </p:cNvPr>
@@ -4530,7 +4535,7 @@
     </p:spTree>
     <p:extLst>
       <p:ext uri="{BB962C8B-B14F-4D97-AF65-F5344CB8AC3E}">
-        <p14:creationId xmlns:p14="http://schemas.microsoft.com/office/powerpoint/2010/main" val="2756976449"/>
+        <p14:creationId xmlns="" xmlns:p14="http://schemas.microsoft.com/office/powerpoint/2010/main" val="2756976449"/>
       </p:ext>
     </p:extLst>
   </p:cSld>
@@ -4562,7 +4567,7 @@
           <p:cNvPr id="2" name="Title 1">
             <a:extLst>
               <a:ext uri="{FF2B5EF4-FFF2-40B4-BE49-F238E27FC236}">
-                <a16:creationId xmlns:a16="http://schemas.microsoft.com/office/drawing/2014/main" id="{494248F2-5264-4601-AA0B-6C092F77F2DD}"/>
+                <a16:creationId xmlns="" xmlns:a16="http://schemas.microsoft.com/office/drawing/2014/main" id="{494248F2-5264-4601-AA0B-6C092F77F2DD}"/>
               </a:ext>
             </a:extLst>
           </p:cNvPr>
@@ -4604,7 +4609,7 @@
           <p:cNvPr id="3" name="Subtitle 2">
             <a:extLst>
               <a:ext uri="{FF2B5EF4-FFF2-40B4-BE49-F238E27FC236}">
-                <a16:creationId xmlns:a16="http://schemas.microsoft.com/office/drawing/2014/main" id="{DCFB69D3-5632-4285-A209-9DCA67DA668C}"/>
+                <a16:creationId xmlns="" xmlns:a16="http://schemas.microsoft.com/office/drawing/2014/main" id="{DCFB69D3-5632-4285-A209-9DCA67DA668C}"/>
               </a:ext>
             </a:extLst>
           </p:cNvPr>
@@ -4679,7 +4684,7 @@
           <p:cNvPr id="4" name="Rectangle 3">
             <a:extLst>
               <a:ext uri="{FF2B5EF4-FFF2-40B4-BE49-F238E27FC236}">
-                <a16:creationId xmlns:a16="http://schemas.microsoft.com/office/drawing/2014/main" id="{9AC79249-FDC0-364D-A734-AE1DE1605D28}"/>
+                <a16:creationId xmlns="" xmlns:a16="http://schemas.microsoft.com/office/drawing/2014/main" id="{9AC79249-FDC0-364D-A734-AE1DE1605D28}"/>
               </a:ext>
             </a:extLst>
           </p:cNvPr>
@@ -4731,7 +4736,7 @@
           <p:cNvPr id="6" name="Group 5">
             <a:extLst>
               <a:ext uri="{FF2B5EF4-FFF2-40B4-BE49-F238E27FC236}">
-                <a16:creationId xmlns:a16="http://schemas.microsoft.com/office/drawing/2014/main" id="{F15FBB50-09C8-B64E-AE57-67C5E70810CB}"/>
+                <a16:creationId xmlns="" xmlns:a16="http://schemas.microsoft.com/office/drawing/2014/main" id="{F15FBB50-09C8-B64E-AE57-67C5E70810CB}"/>
               </a:ext>
             </a:extLst>
           </p:cNvPr>
@@ -4751,7 +4756,7 @@
             <p:cNvPr id="15" name="Freeform 14">
               <a:extLst>
                 <a:ext uri="{FF2B5EF4-FFF2-40B4-BE49-F238E27FC236}">
-                  <a16:creationId xmlns:a16="http://schemas.microsoft.com/office/drawing/2014/main" id="{EFBF1E52-11FA-DC48-B7AD-75734232FFE8}"/>
+                  <a16:creationId xmlns="" xmlns:a16="http://schemas.microsoft.com/office/drawing/2014/main" id="{EFBF1E52-11FA-DC48-B7AD-75734232FFE8}"/>
                 </a:ext>
               </a:extLst>
             </p:cNvPr>
@@ -4876,7 +4881,7 @@
             <p:cNvPr id="16" name="Freeform 15">
               <a:extLst>
                 <a:ext uri="{FF2B5EF4-FFF2-40B4-BE49-F238E27FC236}">
-                  <a16:creationId xmlns:a16="http://schemas.microsoft.com/office/drawing/2014/main" id="{4850B620-49F5-3748-84AF-682555D52792}"/>
+                  <a16:creationId xmlns="" xmlns:a16="http://schemas.microsoft.com/office/drawing/2014/main" id="{4850B620-49F5-3748-84AF-682555D52792}"/>
                 </a:ext>
               </a:extLst>
             </p:cNvPr>
@@ -5002,7 +5007,7 @@
           <p:cNvPr id="22" name="Freeform 21">
             <a:extLst>
               <a:ext uri="{FF2B5EF4-FFF2-40B4-BE49-F238E27FC236}">
-                <a16:creationId xmlns:a16="http://schemas.microsoft.com/office/drawing/2014/main" id="{BC68F289-2744-2F48-893A-3F17911625C8}"/>
+                <a16:creationId xmlns="" xmlns:a16="http://schemas.microsoft.com/office/drawing/2014/main" id="{BC68F289-2744-2F48-893A-3F17911625C8}"/>
               </a:ext>
             </a:extLst>
           </p:cNvPr>
@@ -5101,7 +5106,7 @@
           <p:cNvPr id="17" name="Freeform 16">
             <a:extLst>
               <a:ext uri="{FF2B5EF4-FFF2-40B4-BE49-F238E27FC236}">
-                <a16:creationId xmlns:a16="http://schemas.microsoft.com/office/drawing/2014/main" id="{39563C76-BC00-DE47-88F5-C24D3CE3325A}"/>
+                <a16:creationId xmlns="" xmlns:a16="http://schemas.microsoft.com/office/drawing/2014/main" id="{39563C76-BC00-DE47-88F5-C24D3CE3325A}"/>
               </a:ext>
             </a:extLst>
           </p:cNvPr>
@@ -5243,7 +5248,7 @@
     </p:spTree>
     <p:extLst>
       <p:ext uri="{BB962C8B-B14F-4D97-AF65-F5344CB8AC3E}">
-        <p14:creationId xmlns:p14="http://schemas.microsoft.com/office/powerpoint/2010/main" val="2544706900"/>
+        <p14:creationId xmlns="" xmlns:p14="http://schemas.microsoft.com/office/powerpoint/2010/main" val="2544706900"/>
       </p:ext>
     </p:extLst>
   </p:cSld>
@@ -5275,7 +5280,7 @@
           <p:cNvPr id="2" name="Title 1">
             <a:extLst>
               <a:ext uri="{FF2B5EF4-FFF2-40B4-BE49-F238E27FC236}">
-                <a16:creationId xmlns:a16="http://schemas.microsoft.com/office/drawing/2014/main" id="{3CD97974-B93C-4C96-B3F6-F69E3D6DE6CA}"/>
+                <a16:creationId xmlns="" xmlns:a16="http://schemas.microsoft.com/office/drawing/2014/main" id="{3CD97974-B93C-4C96-B3F6-F69E3D6DE6CA}"/>
               </a:ext>
             </a:extLst>
           </p:cNvPr>
@@ -5317,7 +5322,7 @@
           <p:cNvPr id="3" name="Content Placeholder 2">
             <a:extLst>
               <a:ext uri="{FF2B5EF4-FFF2-40B4-BE49-F238E27FC236}">
-                <a16:creationId xmlns:a16="http://schemas.microsoft.com/office/drawing/2014/main" id="{8A6FC6F2-80B4-49A7-9448-33FE2DF0E967}"/>
+                <a16:creationId xmlns="" xmlns:a16="http://schemas.microsoft.com/office/drawing/2014/main" id="{8A6FC6F2-80B4-49A7-9448-33FE2DF0E967}"/>
               </a:ext>
             </a:extLst>
           </p:cNvPr>
@@ -5413,7 +5418,7 @@
           <p:cNvPr id="4" name="Freeform 3">
             <a:extLst>
               <a:ext uri="{FF2B5EF4-FFF2-40B4-BE49-F238E27FC236}">
-                <a16:creationId xmlns:a16="http://schemas.microsoft.com/office/drawing/2014/main" id="{6A7F6A3F-E1DD-A246-9A6D-5F9B18BA2588}"/>
+                <a16:creationId xmlns="" xmlns:a16="http://schemas.microsoft.com/office/drawing/2014/main" id="{6A7F6A3F-E1DD-A246-9A6D-5F9B18BA2588}"/>
               </a:ext>
             </a:extLst>
           </p:cNvPr>
@@ -5512,7 +5517,7 @@
           <p:cNvPr id="5" name="Freeform 4">
             <a:extLst>
               <a:ext uri="{FF2B5EF4-FFF2-40B4-BE49-F238E27FC236}">
-                <a16:creationId xmlns:a16="http://schemas.microsoft.com/office/drawing/2014/main" id="{055FD0FC-C8FF-6741-A364-A29CDC6F9495}"/>
+                <a16:creationId xmlns="" xmlns:a16="http://schemas.microsoft.com/office/drawing/2014/main" id="{055FD0FC-C8FF-6741-A364-A29CDC6F9495}"/>
               </a:ext>
             </a:extLst>
           </p:cNvPr>
@@ -5613,7 +5618,7 @@
           <p:cNvPr id="6" name="Freeform 5">
             <a:extLst>
               <a:ext uri="{FF2B5EF4-FFF2-40B4-BE49-F238E27FC236}">
-                <a16:creationId xmlns:a16="http://schemas.microsoft.com/office/drawing/2014/main" id="{D11C9832-A021-954E-A34F-2988D1189AE9}"/>
+                <a16:creationId xmlns="" xmlns:a16="http://schemas.microsoft.com/office/drawing/2014/main" id="{D11C9832-A021-954E-A34F-2988D1189AE9}"/>
               </a:ext>
             </a:extLst>
           </p:cNvPr>
@@ -5712,7 +5717,7 @@
           <p:cNvPr id="9" name="Group 8">
             <a:extLst>
               <a:ext uri="{FF2B5EF4-FFF2-40B4-BE49-F238E27FC236}">
-                <a16:creationId xmlns:a16="http://schemas.microsoft.com/office/drawing/2014/main" id="{9861BC34-DFBF-2D4F-B463-FCFBC08391FF}"/>
+                <a16:creationId xmlns="" xmlns:a16="http://schemas.microsoft.com/office/drawing/2014/main" id="{9861BC34-DFBF-2D4F-B463-FCFBC08391FF}"/>
               </a:ext>
             </a:extLst>
           </p:cNvPr>
@@ -5732,7 +5737,7 @@
             <p:cNvPr id="7" name="Freeform 6">
               <a:extLst>
                 <a:ext uri="{FF2B5EF4-FFF2-40B4-BE49-F238E27FC236}">
-                  <a16:creationId xmlns:a16="http://schemas.microsoft.com/office/drawing/2014/main" id="{55C37C19-F268-4A43-A0D4-3B1B38D48952}"/>
+                  <a16:creationId xmlns="" xmlns:a16="http://schemas.microsoft.com/office/drawing/2014/main" id="{55C37C19-F268-4A43-A0D4-3B1B38D48952}"/>
                 </a:ext>
               </a:extLst>
             </p:cNvPr>
@@ -5859,7 +5864,7 @@
             <p:cNvPr id="8" name="Freeform 7">
               <a:extLst>
                 <a:ext uri="{FF2B5EF4-FFF2-40B4-BE49-F238E27FC236}">
-                  <a16:creationId xmlns:a16="http://schemas.microsoft.com/office/drawing/2014/main" id="{E4F760E5-9D5D-E44F-AEBF-20CA8DE87D11}"/>
+                  <a16:creationId xmlns="" xmlns:a16="http://schemas.microsoft.com/office/drawing/2014/main" id="{E4F760E5-9D5D-E44F-AEBF-20CA8DE87D11}"/>
                 </a:ext>
               </a:extLst>
             </p:cNvPr>
@@ -5987,7 +5992,7 @@
           <p:cNvPr id="10" name="Date Placeholder 3">
             <a:extLst>
               <a:ext uri="{FF2B5EF4-FFF2-40B4-BE49-F238E27FC236}">
-                <a16:creationId xmlns:a16="http://schemas.microsoft.com/office/drawing/2014/main" id="{7536C149-3EFE-A94E-902D-57CED00B2C0F}"/>
+                <a16:creationId xmlns="" xmlns:a16="http://schemas.microsoft.com/office/drawing/2014/main" id="{7536C149-3EFE-A94E-902D-57CED00B2C0F}"/>
               </a:ext>
             </a:extLst>
           </p:cNvPr>
@@ -6024,7 +6029,8 @@
           <a:p>
             <a:fld id="{45B08281-154C-4FEF-A6DF-18BA3AC0F374}" type="datetime1">
               <a:rPr lang="en-US" smtClean="0"/>
-              <a:t>8/28/2024</a:t>
+              <a:pPr/>
+              <a:t>9/5/2024</a:t>
             </a:fld>
             <a:endParaRPr lang="en-US" dirty="0"/>
           </a:p>
@@ -6035,7 +6041,7 @@
           <p:cNvPr id="11" name="Footer Placeholder 4">
             <a:extLst>
               <a:ext uri="{FF2B5EF4-FFF2-40B4-BE49-F238E27FC236}">
-                <a16:creationId xmlns:a16="http://schemas.microsoft.com/office/drawing/2014/main" id="{53CA1E78-F17D-F34D-9F81-0DBF44F37894}"/>
+                <a16:creationId xmlns="" xmlns:a16="http://schemas.microsoft.com/office/drawing/2014/main" id="{53CA1E78-F17D-F34D-9F81-0DBF44F37894}"/>
               </a:ext>
             </a:extLst>
           </p:cNvPr>
@@ -6082,7 +6088,7 @@
           <p:cNvPr id="12" name="Slide Number Placeholder 5">
             <a:extLst>
               <a:ext uri="{FF2B5EF4-FFF2-40B4-BE49-F238E27FC236}">
-                <a16:creationId xmlns:a16="http://schemas.microsoft.com/office/drawing/2014/main" id="{1FE54918-A625-F64F-A42E-A427E9B2D489}"/>
+                <a16:creationId xmlns="" xmlns:a16="http://schemas.microsoft.com/office/drawing/2014/main" id="{1FE54918-A625-F64F-A42E-A427E9B2D489}"/>
               </a:ext>
             </a:extLst>
           </p:cNvPr>
@@ -6129,7 +6135,7 @@
     </p:spTree>
     <p:extLst>
       <p:ext uri="{BB962C8B-B14F-4D97-AF65-F5344CB8AC3E}">
-        <p14:creationId xmlns:p14="http://schemas.microsoft.com/office/powerpoint/2010/main" val="2782271272"/>
+        <p14:creationId xmlns="" xmlns:p14="http://schemas.microsoft.com/office/powerpoint/2010/main" val="2782271272"/>
       </p:ext>
     </p:extLst>
   </p:cSld>
@@ -6169,7 +6175,7 @@
           <p:cNvPr id="7" name="Rectangle 6">
             <a:extLst>
               <a:ext uri="{FF2B5EF4-FFF2-40B4-BE49-F238E27FC236}">
-                <a16:creationId xmlns:a16="http://schemas.microsoft.com/office/drawing/2014/main" id="{2A62587F-7496-384A-AF40-18FC8CF0709D}"/>
+                <a16:creationId xmlns="" xmlns:a16="http://schemas.microsoft.com/office/drawing/2014/main" id="{2A62587F-7496-384A-AF40-18FC8CF0709D}"/>
               </a:ext>
             </a:extLst>
           </p:cNvPr>
@@ -6218,7 +6224,7 @@
           <p:cNvPr id="12" name="Freeform 11">
             <a:extLst>
               <a:ext uri="{FF2B5EF4-FFF2-40B4-BE49-F238E27FC236}">
-                <a16:creationId xmlns:a16="http://schemas.microsoft.com/office/drawing/2014/main" id="{84DB028B-A475-224B-B675-A15A56CAD0BF}"/>
+                <a16:creationId xmlns="" xmlns:a16="http://schemas.microsoft.com/office/drawing/2014/main" id="{84DB028B-A475-224B-B675-A15A56CAD0BF}"/>
               </a:ext>
             </a:extLst>
           </p:cNvPr>
@@ -6317,7 +6323,7 @@
           <p:cNvPr id="14" name="Freeform 13">
             <a:extLst>
               <a:ext uri="{FF2B5EF4-FFF2-40B4-BE49-F238E27FC236}">
-                <a16:creationId xmlns:a16="http://schemas.microsoft.com/office/drawing/2014/main" id="{61C34955-105B-4D4D-B51D-754C5D38A85D}"/>
+                <a16:creationId xmlns="" xmlns:a16="http://schemas.microsoft.com/office/drawing/2014/main" id="{61C34955-105B-4D4D-B51D-754C5D38A85D}"/>
               </a:ext>
             </a:extLst>
           </p:cNvPr>
@@ -6416,7 +6422,7 @@
           <p:cNvPr id="15" name="Freeform 14">
             <a:extLst>
               <a:ext uri="{FF2B5EF4-FFF2-40B4-BE49-F238E27FC236}">
-                <a16:creationId xmlns:a16="http://schemas.microsoft.com/office/drawing/2014/main" id="{2734DEB1-EC02-2E42-9292-4ADD115060A5}"/>
+                <a16:creationId xmlns="" xmlns:a16="http://schemas.microsoft.com/office/drawing/2014/main" id="{2734DEB1-EC02-2E42-9292-4ADD115060A5}"/>
               </a:ext>
             </a:extLst>
           </p:cNvPr>
@@ -6541,7 +6547,7 @@
           <p:cNvPr id="13" name="Title 1">
             <a:extLst>
               <a:ext uri="{FF2B5EF4-FFF2-40B4-BE49-F238E27FC236}">
-                <a16:creationId xmlns:a16="http://schemas.microsoft.com/office/drawing/2014/main" id="{5E932F0D-7FC3-634B-932C-3625C16C8DE2}"/>
+                <a16:creationId xmlns="" xmlns:a16="http://schemas.microsoft.com/office/drawing/2014/main" id="{5E932F0D-7FC3-634B-932C-3625C16C8DE2}"/>
               </a:ext>
             </a:extLst>
           </p:cNvPr>
@@ -6583,7 +6589,7 @@
           <p:cNvPr id="3" name="Text Placeholder 2">
             <a:extLst>
               <a:ext uri="{FF2B5EF4-FFF2-40B4-BE49-F238E27FC236}">
-                <a16:creationId xmlns:a16="http://schemas.microsoft.com/office/drawing/2014/main" id="{2E65DE34-CDB7-41F7-A95A-592B99558C69}"/>
+                <a16:creationId xmlns="" xmlns:a16="http://schemas.microsoft.com/office/drawing/2014/main" id="{2E65DE34-CDB7-41F7-A95A-592B99558C69}"/>
               </a:ext>
             </a:extLst>
           </p:cNvPr>
@@ -6712,7 +6718,7 @@
           <p:cNvPr id="4" name="Date Placeholder 3">
             <a:extLst>
               <a:ext uri="{FF2B5EF4-FFF2-40B4-BE49-F238E27FC236}">
-                <a16:creationId xmlns:a16="http://schemas.microsoft.com/office/drawing/2014/main" id="{8E95D4F5-F69B-42F6-8A9D-330F696E144B}"/>
+                <a16:creationId xmlns="" xmlns:a16="http://schemas.microsoft.com/office/drawing/2014/main" id="{8E95D4F5-F69B-42F6-8A9D-330F696E144B}"/>
               </a:ext>
             </a:extLst>
           </p:cNvPr>
@@ -6741,7 +6747,8 @@
           <a:p>
             <a:fld id="{04D857D4-BD7E-4A06-844B-AAD504F1114F}" type="datetime1">
               <a:rPr lang="en-US" smtClean="0"/>
-              <a:t>8/28/2024</a:t>
+              <a:pPr/>
+              <a:t>9/5/2024</a:t>
             </a:fld>
             <a:endParaRPr lang="en-US" dirty="0"/>
           </a:p>
@@ -6752,7 +6759,7 @@
           <p:cNvPr id="5" name="Footer Placeholder 4">
             <a:extLst>
               <a:ext uri="{FF2B5EF4-FFF2-40B4-BE49-F238E27FC236}">
-                <a16:creationId xmlns:a16="http://schemas.microsoft.com/office/drawing/2014/main" id="{FA79A23A-2238-4904-8692-9F2DAE8B8FC9}"/>
+                <a16:creationId xmlns="" xmlns:a16="http://schemas.microsoft.com/office/drawing/2014/main" id="{FA79A23A-2238-4904-8692-9F2DAE8B8FC9}"/>
               </a:ext>
             </a:extLst>
           </p:cNvPr>
@@ -6791,7 +6798,7 @@
           <p:cNvPr id="6" name="Slide Number Placeholder 5">
             <a:extLst>
               <a:ext uri="{FF2B5EF4-FFF2-40B4-BE49-F238E27FC236}">
-                <a16:creationId xmlns:a16="http://schemas.microsoft.com/office/drawing/2014/main" id="{DB69FC35-DDC8-45FB-8ACB-21C15F57C1F1}"/>
+                <a16:creationId xmlns="" xmlns:a16="http://schemas.microsoft.com/office/drawing/2014/main" id="{DB69FC35-DDC8-45FB-8ACB-21C15F57C1F1}"/>
               </a:ext>
             </a:extLst>
           </p:cNvPr>
@@ -6835,7 +6842,7 @@
     </p:spTree>
     <p:extLst>
       <p:ext uri="{BB962C8B-B14F-4D97-AF65-F5344CB8AC3E}">
-        <p14:creationId xmlns:p14="http://schemas.microsoft.com/office/powerpoint/2010/main" val="2802635032"/>
+        <p14:creationId xmlns="" xmlns:p14="http://schemas.microsoft.com/office/powerpoint/2010/main" val="2802635032"/>
       </p:ext>
     </p:extLst>
   </p:cSld>
@@ -6867,7 +6874,7 @@
           <p:cNvPr id="23" name="Freeform 22">
             <a:extLst>
               <a:ext uri="{FF2B5EF4-FFF2-40B4-BE49-F238E27FC236}">
-                <a16:creationId xmlns:a16="http://schemas.microsoft.com/office/drawing/2014/main" id="{067EACEC-C2DD-EA42-8504-176673AD1F20}"/>
+                <a16:creationId xmlns="" xmlns:a16="http://schemas.microsoft.com/office/drawing/2014/main" id="{067EACEC-C2DD-EA42-8504-176673AD1F20}"/>
               </a:ext>
             </a:extLst>
           </p:cNvPr>
@@ -6973,7 +6980,7 @@
           <p:cNvPr id="2" name="Title 1">
             <a:extLst>
               <a:ext uri="{FF2B5EF4-FFF2-40B4-BE49-F238E27FC236}">
-                <a16:creationId xmlns:a16="http://schemas.microsoft.com/office/drawing/2014/main" id="{494248F2-5264-4601-AA0B-6C092F77F2DD}"/>
+                <a16:creationId xmlns="" xmlns:a16="http://schemas.microsoft.com/office/drawing/2014/main" id="{494248F2-5264-4601-AA0B-6C092F77F2DD}"/>
               </a:ext>
             </a:extLst>
           </p:cNvPr>
@@ -7018,7 +7025,7 @@
           <p:cNvPr id="3" name="Subtitle 2">
             <a:extLst>
               <a:ext uri="{FF2B5EF4-FFF2-40B4-BE49-F238E27FC236}">
-                <a16:creationId xmlns:a16="http://schemas.microsoft.com/office/drawing/2014/main" id="{DCFB69D3-5632-4285-A209-9DCA67DA668C}"/>
+                <a16:creationId xmlns="" xmlns:a16="http://schemas.microsoft.com/office/drawing/2014/main" id="{DCFB69D3-5632-4285-A209-9DCA67DA668C}"/>
               </a:ext>
             </a:extLst>
           </p:cNvPr>
@@ -7096,7 +7103,7 @@
           <p:cNvPr id="6" name="Group 5">
             <a:extLst>
               <a:ext uri="{FF2B5EF4-FFF2-40B4-BE49-F238E27FC236}">
-                <a16:creationId xmlns:a16="http://schemas.microsoft.com/office/drawing/2014/main" id="{89843C7E-5704-7A46-8974-F3BFA42E7310}"/>
+                <a16:creationId xmlns="" xmlns:a16="http://schemas.microsoft.com/office/drawing/2014/main" id="{89843C7E-5704-7A46-8974-F3BFA42E7310}"/>
               </a:ext>
             </a:extLst>
           </p:cNvPr>
@@ -7116,7 +7123,7 @@
             <p:cNvPr id="15" name="Freeform 14">
               <a:extLst>
                 <a:ext uri="{FF2B5EF4-FFF2-40B4-BE49-F238E27FC236}">
-                  <a16:creationId xmlns:a16="http://schemas.microsoft.com/office/drawing/2014/main" id="{EFBF1E52-11FA-DC48-B7AD-75734232FFE8}"/>
+                  <a16:creationId xmlns="" xmlns:a16="http://schemas.microsoft.com/office/drawing/2014/main" id="{EFBF1E52-11FA-DC48-B7AD-75734232FFE8}"/>
                 </a:ext>
               </a:extLst>
             </p:cNvPr>
@@ -7241,7 +7248,7 @@
             <p:cNvPr id="16" name="Freeform 15">
               <a:extLst>
                 <a:ext uri="{FF2B5EF4-FFF2-40B4-BE49-F238E27FC236}">
-                  <a16:creationId xmlns:a16="http://schemas.microsoft.com/office/drawing/2014/main" id="{4850B620-49F5-3748-84AF-682555D52792}"/>
+                  <a16:creationId xmlns="" xmlns:a16="http://schemas.microsoft.com/office/drawing/2014/main" id="{4850B620-49F5-3748-84AF-682555D52792}"/>
                 </a:ext>
               </a:extLst>
             </p:cNvPr>
@@ -7367,7 +7374,7 @@
           <p:cNvPr id="17" name="Freeform 16">
             <a:extLst>
               <a:ext uri="{FF2B5EF4-FFF2-40B4-BE49-F238E27FC236}">
-                <a16:creationId xmlns:a16="http://schemas.microsoft.com/office/drawing/2014/main" id="{0B179973-08D2-EF40-B516-35E75E906394}"/>
+                <a16:creationId xmlns="" xmlns:a16="http://schemas.microsoft.com/office/drawing/2014/main" id="{0B179973-08D2-EF40-B516-35E75E906394}"/>
               </a:ext>
             </a:extLst>
           </p:cNvPr>
@@ -7466,7 +7473,7 @@
           <p:cNvPr id="18" name="Freeform 17">
             <a:extLst>
               <a:ext uri="{FF2B5EF4-FFF2-40B4-BE49-F238E27FC236}">
-                <a16:creationId xmlns:a16="http://schemas.microsoft.com/office/drawing/2014/main" id="{6C811FF3-E48A-194D-8022-65F8C3A17449}"/>
+                <a16:creationId xmlns="" xmlns:a16="http://schemas.microsoft.com/office/drawing/2014/main" id="{6C811FF3-E48A-194D-8022-65F8C3A17449}"/>
               </a:ext>
             </a:extLst>
           </p:cNvPr>
@@ -7563,7 +7570,7 @@
     </p:spTree>
     <p:extLst>
       <p:ext uri="{BB962C8B-B14F-4D97-AF65-F5344CB8AC3E}">
-        <p14:creationId xmlns:p14="http://schemas.microsoft.com/office/powerpoint/2010/main" val="986529405"/>
+        <p14:creationId xmlns="" xmlns:p14="http://schemas.microsoft.com/office/powerpoint/2010/main" val="986529405"/>
       </p:ext>
     </p:extLst>
   </p:cSld>
@@ -7595,7 +7602,7 @@
           <p:cNvPr id="2" name="Title 1">
             <a:extLst>
               <a:ext uri="{FF2B5EF4-FFF2-40B4-BE49-F238E27FC236}">
-                <a16:creationId xmlns:a16="http://schemas.microsoft.com/office/drawing/2014/main" id="{3CD97974-B93C-4C96-B3F6-F69E3D6DE6CA}"/>
+                <a16:creationId xmlns="" xmlns:a16="http://schemas.microsoft.com/office/drawing/2014/main" id="{3CD97974-B93C-4C96-B3F6-F69E3D6DE6CA}"/>
               </a:ext>
             </a:extLst>
           </p:cNvPr>
@@ -7637,7 +7644,7 @@
           <p:cNvPr id="3" name="Content Placeholder 2">
             <a:extLst>
               <a:ext uri="{FF2B5EF4-FFF2-40B4-BE49-F238E27FC236}">
-                <a16:creationId xmlns:a16="http://schemas.microsoft.com/office/drawing/2014/main" id="{8A6FC6F2-80B4-49A7-9448-33FE2DF0E967}"/>
+                <a16:creationId xmlns="" xmlns:a16="http://schemas.microsoft.com/office/drawing/2014/main" id="{8A6FC6F2-80B4-49A7-9448-33FE2DF0E967}"/>
               </a:ext>
             </a:extLst>
           </p:cNvPr>
@@ -7733,7 +7740,7 @@
           <p:cNvPr id="4" name="Freeform 3">
             <a:extLst>
               <a:ext uri="{FF2B5EF4-FFF2-40B4-BE49-F238E27FC236}">
-                <a16:creationId xmlns:a16="http://schemas.microsoft.com/office/drawing/2014/main" id="{6A7F6A3F-E1DD-A246-9A6D-5F9B18BA2588}"/>
+                <a16:creationId xmlns="" xmlns:a16="http://schemas.microsoft.com/office/drawing/2014/main" id="{6A7F6A3F-E1DD-A246-9A6D-5F9B18BA2588}"/>
               </a:ext>
             </a:extLst>
           </p:cNvPr>
@@ -7832,7 +7839,7 @@
           <p:cNvPr id="5" name="Freeform 4">
             <a:extLst>
               <a:ext uri="{FF2B5EF4-FFF2-40B4-BE49-F238E27FC236}">
-                <a16:creationId xmlns:a16="http://schemas.microsoft.com/office/drawing/2014/main" id="{055FD0FC-C8FF-6741-A364-A29CDC6F9495}"/>
+                <a16:creationId xmlns="" xmlns:a16="http://schemas.microsoft.com/office/drawing/2014/main" id="{055FD0FC-C8FF-6741-A364-A29CDC6F9495}"/>
               </a:ext>
             </a:extLst>
           </p:cNvPr>
@@ -7931,7 +7938,7 @@
           <p:cNvPr id="10" name="Date Placeholder 3">
             <a:extLst>
               <a:ext uri="{FF2B5EF4-FFF2-40B4-BE49-F238E27FC236}">
-                <a16:creationId xmlns:a16="http://schemas.microsoft.com/office/drawing/2014/main" id="{7536C149-3EFE-A94E-902D-57CED00B2C0F}"/>
+                <a16:creationId xmlns="" xmlns:a16="http://schemas.microsoft.com/office/drawing/2014/main" id="{7536C149-3EFE-A94E-902D-57CED00B2C0F}"/>
               </a:ext>
             </a:extLst>
           </p:cNvPr>
@@ -7968,7 +7975,8 @@
           <a:p>
             <a:fld id="{916AFA50-87A4-4E99-B112-8C6B1DFB84B2}" type="datetime1">
               <a:rPr lang="en-US" smtClean="0"/>
-              <a:t>8/28/2024</a:t>
+              <a:pPr/>
+              <a:t>9/5/2024</a:t>
             </a:fld>
             <a:endParaRPr lang="en-US" dirty="0"/>
           </a:p>
@@ -7979,7 +7987,7 @@
           <p:cNvPr id="11" name="Footer Placeholder 4">
             <a:extLst>
               <a:ext uri="{FF2B5EF4-FFF2-40B4-BE49-F238E27FC236}">
-                <a16:creationId xmlns:a16="http://schemas.microsoft.com/office/drawing/2014/main" id="{53CA1E78-F17D-F34D-9F81-0DBF44F37894}"/>
+                <a16:creationId xmlns="" xmlns:a16="http://schemas.microsoft.com/office/drawing/2014/main" id="{53CA1E78-F17D-F34D-9F81-0DBF44F37894}"/>
               </a:ext>
             </a:extLst>
           </p:cNvPr>
@@ -8026,7 +8034,7 @@
           <p:cNvPr id="12" name="Slide Number Placeholder 5">
             <a:extLst>
               <a:ext uri="{FF2B5EF4-FFF2-40B4-BE49-F238E27FC236}">
-                <a16:creationId xmlns:a16="http://schemas.microsoft.com/office/drawing/2014/main" id="{1FE54918-A625-F64F-A42E-A427E9B2D489}"/>
+                <a16:creationId xmlns="" xmlns:a16="http://schemas.microsoft.com/office/drawing/2014/main" id="{1FE54918-A625-F64F-A42E-A427E9B2D489}"/>
               </a:ext>
             </a:extLst>
           </p:cNvPr>
@@ -8073,7 +8081,7 @@
     </p:spTree>
     <p:extLst>
       <p:ext uri="{BB962C8B-B14F-4D97-AF65-F5344CB8AC3E}">
-        <p14:creationId xmlns:p14="http://schemas.microsoft.com/office/powerpoint/2010/main" val="369781860"/>
+        <p14:creationId xmlns="" xmlns:p14="http://schemas.microsoft.com/office/powerpoint/2010/main" val="369781860"/>
       </p:ext>
     </p:extLst>
   </p:cSld>
@@ -8113,7 +8121,7 @@
           <p:cNvPr id="9" name="Group 8">
             <a:extLst>
               <a:ext uri="{FF2B5EF4-FFF2-40B4-BE49-F238E27FC236}">
-                <a16:creationId xmlns:a16="http://schemas.microsoft.com/office/drawing/2014/main" id="{ABA2A58C-57B7-834C-8F5C-3299322411B1}"/>
+                <a16:creationId xmlns="" xmlns:a16="http://schemas.microsoft.com/office/drawing/2014/main" id="{ABA2A58C-57B7-834C-8F5C-3299322411B1}"/>
               </a:ext>
             </a:extLst>
           </p:cNvPr>
@@ -8133,7 +8141,7 @@
             <p:cNvPr id="13" name="Freeform 12">
               <a:extLst>
                 <a:ext uri="{FF2B5EF4-FFF2-40B4-BE49-F238E27FC236}">
-                  <a16:creationId xmlns:a16="http://schemas.microsoft.com/office/drawing/2014/main" id="{801D8067-144A-FE48-AF1E-529B662DCAD3}"/>
+                  <a16:creationId xmlns="" xmlns:a16="http://schemas.microsoft.com/office/drawing/2014/main" id="{801D8067-144A-FE48-AF1E-529B662DCAD3}"/>
                 </a:ext>
               </a:extLst>
             </p:cNvPr>
@@ -8258,7 +8266,7 @@
             <p:cNvPr id="14" name="Freeform 13">
               <a:extLst>
                 <a:ext uri="{FF2B5EF4-FFF2-40B4-BE49-F238E27FC236}">
-                  <a16:creationId xmlns:a16="http://schemas.microsoft.com/office/drawing/2014/main" id="{2ECA7D87-C78C-C140-AA28-C0FB20209045}"/>
+                  <a16:creationId xmlns="" xmlns:a16="http://schemas.microsoft.com/office/drawing/2014/main" id="{2ECA7D87-C78C-C140-AA28-C0FB20209045}"/>
                 </a:ext>
               </a:extLst>
             </p:cNvPr>
@@ -8384,7 +8392,7 @@
           <p:cNvPr id="2" name="Title 1">
             <a:extLst>
               <a:ext uri="{FF2B5EF4-FFF2-40B4-BE49-F238E27FC236}">
-                <a16:creationId xmlns:a16="http://schemas.microsoft.com/office/drawing/2014/main" id="{3CD97974-B93C-4C96-B3F6-F69E3D6DE6CA}"/>
+                <a16:creationId xmlns="" xmlns:a16="http://schemas.microsoft.com/office/drawing/2014/main" id="{3CD97974-B93C-4C96-B3F6-F69E3D6DE6CA}"/>
               </a:ext>
             </a:extLst>
           </p:cNvPr>
@@ -8426,7 +8434,7 @@
           <p:cNvPr id="3" name="Content Placeholder 2">
             <a:extLst>
               <a:ext uri="{FF2B5EF4-FFF2-40B4-BE49-F238E27FC236}">
-                <a16:creationId xmlns:a16="http://schemas.microsoft.com/office/drawing/2014/main" id="{8A6FC6F2-80B4-49A7-9448-33FE2DF0E967}"/>
+                <a16:creationId xmlns="" xmlns:a16="http://schemas.microsoft.com/office/drawing/2014/main" id="{8A6FC6F2-80B4-49A7-9448-33FE2DF0E967}"/>
               </a:ext>
             </a:extLst>
           </p:cNvPr>
@@ -8522,7 +8530,7 @@
           <p:cNvPr id="10" name="Date Placeholder 3">
             <a:extLst>
               <a:ext uri="{FF2B5EF4-FFF2-40B4-BE49-F238E27FC236}">
-                <a16:creationId xmlns:a16="http://schemas.microsoft.com/office/drawing/2014/main" id="{7536C149-3EFE-A94E-902D-57CED00B2C0F}"/>
+                <a16:creationId xmlns="" xmlns:a16="http://schemas.microsoft.com/office/drawing/2014/main" id="{7536C149-3EFE-A94E-902D-57CED00B2C0F}"/>
               </a:ext>
             </a:extLst>
           </p:cNvPr>
@@ -8559,7 +8567,8 @@
           <a:p>
             <a:fld id="{6B3905CA-BF0F-4A1B-AA0D-85E42F5D5A85}" type="datetime1">
               <a:rPr lang="en-US" smtClean="0"/>
-              <a:t>8/28/2024</a:t>
+              <a:pPr/>
+              <a:t>9/5/2024</a:t>
             </a:fld>
             <a:endParaRPr lang="en-US" dirty="0"/>
           </a:p>
@@ -8570,7 +8579,7 @@
           <p:cNvPr id="11" name="Footer Placeholder 4">
             <a:extLst>
               <a:ext uri="{FF2B5EF4-FFF2-40B4-BE49-F238E27FC236}">
-                <a16:creationId xmlns:a16="http://schemas.microsoft.com/office/drawing/2014/main" id="{53CA1E78-F17D-F34D-9F81-0DBF44F37894}"/>
+                <a16:creationId xmlns="" xmlns:a16="http://schemas.microsoft.com/office/drawing/2014/main" id="{53CA1E78-F17D-F34D-9F81-0DBF44F37894}"/>
               </a:ext>
             </a:extLst>
           </p:cNvPr>
@@ -8617,7 +8626,7 @@
           <p:cNvPr id="12" name="Slide Number Placeholder 5">
             <a:extLst>
               <a:ext uri="{FF2B5EF4-FFF2-40B4-BE49-F238E27FC236}">
-                <a16:creationId xmlns:a16="http://schemas.microsoft.com/office/drawing/2014/main" id="{1FE54918-A625-F64F-A42E-A427E9B2D489}"/>
+                <a16:creationId xmlns="" xmlns:a16="http://schemas.microsoft.com/office/drawing/2014/main" id="{1FE54918-A625-F64F-A42E-A427E9B2D489}"/>
               </a:ext>
             </a:extLst>
           </p:cNvPr>
@@ -8664,7 +8673,7 @@
     </p:spTree>
     <p:extLst>
       <p:ext uri="{BB962C8B-B14F-4D97-AF65-F5344CB8AC3E}">
-        <p14:creationId xmlns:p14="http://schemas.microsoft.com/office/powerpoint/2010/main" val="3190945164"/>
+        <p14:creationId xmlns="" xmlns:p14="http://schemas.microsoft.com/office/powerpoint/2010/main" val="3190945164"/>
       </p:ext>
     </p:extLst>
   </p:cSld>
@@ -8704,7 +8713,7 @@
           <p:cNvPr id="2" name="Title 1">
             <a:extLst>
               <a:ext uri="{FF2B5EF4-FFF2-40B4-BE49-F238E27FC236}">
-                <a16:creationId xmlns:a16="http://schemas.microsoft.com/office/drawing/2014/main" id="{20B5ED18-7A07-47F1-8056-CD86B076AFE2}"/>
+                <a16:creationId xmlns="" xmlns:a16="http://schemas.microsoft.com/office/drawing/2014/main" id="{20B5ED18-7A07-47F1-8056-CD86B076AFE2}"/>
               </a:ext>
             </a:extLst>
           </p:cNvPr>
@@ -8752,7 +8761,7 @@
           <p:cNvPr id="8" name="Text Placeholder 7">
             <a:extLst>
               <a:ext uri="{FF2B5EF4-FFF2-40B4-BE49-F238E27FC236}">
-                <a16:creationId xmlns:a16="http://schemas.microsoft.com/office/drawing/2014/main" id="{4C91C146-F9A8-9A4C-9508-8590923B8D9A}"/>
+                <a16:creationId xmlns="" xmlns:a16="http://schemas.microsoft.com/office/drawing/2014/main" id="{4C91C146-F9A8-9A4C-9508-8590923B8D9A}"/>
               </a:ext>
             </a:extLst>
           </p:cNvPr>
@@ -8836,7 +8845,7 @@
           <p:cNvPr id="10" name="Text Placeholder 9">
             <a:extLst>
               <a:ext uri="{FF2B5EF4-FFF2-40B4-BE49-F238E27FC236}">
-                <a16:creationId xmlns:a16="http://schemas.microsoft.com/office/drawing/2014/main" id="{322D6C2B-78AC-DD47-9289-067C968B06C1}"/>
+                <a16:creationId xmlns="" xmlns:a16="http://schemas.microsoft.com/office/drawing/2014/main" id="{322D6C2B-78AC-DD47-9289-067C968B06C1}"/>
               </a:ext>
             </a:extLst>
           </p:cNvPr>
@@ -8918,7 +8927,7 @@
           <p:cNvPr id="9" name="Text Placeholder 7">
             <a:extLst>
               <a:ext uri="{FF2B5EF4-FFF2-40B4-BE49-F238E27FC236}">
-                <a16:creationId xmlns:a16="http://schemas.microsoft.com/office/drawing/2014/main" id="{612193CD-03AD-D74D-A5CD-747A9B53F49A}"/>
+                <a16:creationId xmlns="" xmlns:a16="http://schemas.microsoft.com/office/drawing/2014/main" id="{612193CD-03AD-D74D-A5CD-747A9B53F49A}"/>
               </a:ext>
             </a:extLst>
           </p:cNvPr>
@@ -9002,7 +9011,7 @@
           <p:cNvPr id="3" name="Date Placeholder 2">
             <a:extLst>
               <a:ext uri="{FF2B5EF4-FFF2-40B4-BE49-F238E27FC236}">
-                <a16:creationId xmlns:a16="http://schemas.microsoft.com/office/drawing/2014/main" id="{A0C71211-4520-46A1-9487-4AE49C3239EF}"/>
+                <a16:creationId xmlns="" xmlns:a16="http://schemas.microsoft.com/office/drawing/2014/main" id="{A0C71211-4520-46A1-9487-4AE49C3239EF}"/>
               </a:ext>
             </a:extLst>
           </p:cNvPr>
@@ -9031,7 +9040,8 @@
           <a:p>
             <a:fld id="{D3DA9A77-60C0-4BB8-898D-2828EE4073AD}" type="datetime1">
               <a:rPr lang="en-US" smtClean="0"/>
-              <a:t>8/28/2024</a:t>
+              <a:pPr/>
+              <a:t>9/5/2024</a:t>
             </a:fld>
             <a:endParaRPr lang="en-US" dirty="0"/>
           </a:p>
@@ -9042,7 +9052,7 @@
           <p:cNvPr id="4" name="Footer Placeholder 3">
             <a:extLst>
               <a:ext uri="{FF2B5EF4-FFF2-40B4-BE49-F238E27FC236}">
-                <a16:creationId xmlns:a16="http://schemas.microsoft.com/office/drawing/2014/main" id="{96356206-85FD-45F5-A1F7-128DB34C860F}"/>
+                <a16:creationId xmlns="" xmlns:a16="http://schemas.microsoft.com/office/drawing/2014/main" id="{96356206-85FD-45F5-A1F7-128DB34C860F}"/>
               </a:ext>
             </a:extLst>
           </p:cNvPr>
@@ -9081,7 +9091,7 @@
           <p:cNvPr id="5" name="Slide Number Placeholder 4">
             <a:extLst>
               <a:ext uri="{FF2B5EF4-FFF2-40B4-BE49-F238E27FC236}">
-                <a16:creationId xmlns:a16="http://schemas.microsoft.com/office/drawing/2014/main" id="{0203763F-C8CD-4BCB-9A0A-B10F000BC1DB}"/>
+                <a16:creationId xmlns="" xmlns:a16="http://schemas.microsoft.com/office/drawing/2014/main" id="{0203763F-C8CD-4BCB-9A0A-B10F000BC1DB}"/>
               </a:ext>
             </a:extLst>
           </p:cNvPr>
@@ -9120,7 +9130,7 @@
     </p:spTree>
     <p:extLst>
       <p:ext uri="{BB962C8B-B14F-4D97-AF65-F5344CB8AC3E}">
-        <p14:creationId xmlns:p14="http://schemas.microsoft.com/office/powerpoint/2010/main" val="1476947594"/>
+        <p14:creationId xmlns="" xmlns:p14="http://schemas.microsoft.com/office/powerpoint/2010/main" val="1476947594"/>
       </p:ext>
     </p:extLst>
   </p:cSld>
@@ -9152,7 +9162,7 @@
           <p:cNvPr id="30" name="Rectangle 29">
             <a:extLst>
               <a:ext uri="{FF2B5EF4-FFF2-40B4-BE49-F238E27FC236}">
-                <a16:creationId xmlns:a16="http://schemas.microsoft.com/office/drawing/2014/main" id="{28C225EC-F6EF-1144-834A-F0B91974AA41}"/>
+                <a16:creationId xmlns="" xmlns:a16="http://schemas.microsoft.com/office/drawing/2014/main" id="{28C225EC-F6EF-1144-834A-F0B91974AA41}"/>
               </a:ext>
             </a:extLst>
           </p:cNvPr>
@@ -9204,7 +9214,7 @@
           <p:cNvPr id="31" name="Title 1">
             <a:extLst>
               <a:ext uri="{FF2B5EF4-FFF2-40B4-BE49-F238E27FC236}">
-                <a16:creationId xmlns:a16="http://schemas.microsoft.com/office/drawing/2014/main" id="{1E40CEAF-B1BB-174E-A798-3BA60D9C0458}"/>
+                <a16:creationId xmlns="" xmlns:a16="http://schemas.microsoft.com/office/drawing/2014/main" id="{1E40CEAF-B1BB-174E-A798-3BA60D9C0458}"/>
               </a:ext>
             </a:extLst>
           </p:cNvPr>
@@ -9246,7 +9256,7 @@
           <p:cNvPr id="6" name="Picture Placeholder 23">
             <a:extLst>
               <a:ext uri="{FF2B5EF4-FFF2-40B4-BE49-F238E27FC236}">
-                <a16:creationId xmlns:a16="http://schemas.microsoft.com/office/drawing/2014/main" id="{5E48B363-63E8-4F17-842B-53AD935A6529}"/>
+                <a16:creationId xmlns="" xmlns:a16="http://schemas.microsoft.com/office/drawing/2014/main" id="{5E48B363-63E8-4F17-842B-53AD935A6529}"/>
               </a:ext>
             </a:extLst>
           </p:cNvPr>
@@ -9292,7 +9302,7 @@
           <p:cNvPr id="10" name="Text Placeholder 28">
             <a:extLst>
               <a:ext uri="{FF2B5EF4-FFF2-40B4-BE49-F238E27FC236}">
-                <a16:creationId xmlns:a16="http://schemas.microsoft.com/office/drawing/2014/main" id="{CC3A7E03-4F06-4380-90A1-845651EEA3C0}"/>
+                <a16:creationId xmlns="" xmlns:a16="http://schemas.microsoft.com/office/drawing/2014/main" id="{CC3A7E03-4F06-4380-90A1-845651EEA3C0}"/>
               </a:ext>
             </a:extLst>
           </p:cNvPr>
@@ -9344,7 +9354,7 @@
           <p:cNvPr id="11" name="Text Placeholder 28">
             <a:extLst>
               <a:ext uri="{FF2B5EF4-FFF2-40B4-BE49-F238E27FC236}">
-                <a16:creationId xmlns:a16="http://schemas.microsoft.com/office/drawing/2014/main" id="{31AF5791-727B-438A-A7EF-5D132167C89B}"/>
+                <a16:creationId xmlns="" xmlns:a16="http://schemas.microsoft.com/office/drawing/2014/main" id="{31AF5791-727B-438A-A7EF-5D132167C89B}"/>
               </a:ext>
             </a:extLst>
           </p:cNvPr>
@@ -9396,7 +9406,7 @@
           <p:cNvPr id="7" name="Picture Placeholder 23">
             <a:extLst>
               <a:ext uri="{FF2B5EF4-FFF2-40B4-BE49-F238E27FC236}">
-                <a16:creationId xmlns:a16="http://schemas.microsoft.com/office/drawing/2014/main" id="{9ABA5222-6FD6-405B-8AC8-18022C36590F}"/>
+                <a16:creationId xmlns="" xmlns:a16="http://schemas.microsoft.com/office/drawing/2014/main" id="{9ABA5222-6FD6-405B-8AC8-18022C36590F}"/>
               </a:ext>
             </a:extLst>
           </p:cNvPr>
@@ -9442,7 +9452,7 @@
           <p:cNvPr id="12" name="Text Placeholder 28">
             <a:extLst>
               <a:ext uri="{FF2B5EF4-FFF2-40B4-BE49-F238E27FC236}">
-                <a16:creationId xmlns:a16="http://schemas.microsoft.com/office/drawing/2014/main" id="{A1A33FCF-D2EB-478E-8679-428657895F76}"/>
+                <a16:creationId xmlns="" xmlns:a16="http://schemas.microsoft.com/office/drawing/2014/main" id="{A1A33FCF-D2EB-478E-8679-428657895F76}"/>
               </a:ext>
             </a:extLst>
           </p:cNvPr>
@@ -9494,7 +9504,7 @@
           <p:cNvPr id="13" name="Text Placeholder 28">
             <a:extLst>
               <a:ext uri="{FF2B5EF4-FFF2-40B4-BE49-F238E27FC236}">
-                <a16:creationId xmlns:a16="http://schemas.microsoft.com/office/drawing/2014/main" id="{55274EF8-F641-41B2-89C1-FD94AFA48684}"/>
+                <a16:creationId xmlns="" xmlns:a16="http://schemas.microsoft.com/office/drawing/2014/main" id="{55274EF8-F641-41B2-89C1-FD94AFA48684}"/>
               </a:ext>
             </a:extLst>
           </p:cNvPr>
@@ -9546,7 +9556,7 @@
           <p:cNvPr id="8" name="Picture Placeholder 23">
             <a:extLst>
               <a:ext uri="{FF2B5EF4-FFF2-40B4-BE49-F238E27FC236}">
-                <a16:creationId xmlns:a16="http://schemas.microsoft.com/office/drawing/2014/main" id="{124DE785-775F-4AE4-94B3-FA728188EBA5}"/>
+                <a16:creationId xmlns="" xmlns:a16="http://schemas.microsoft.com/office/drawing/2014/main" id="{124DE785-775F-4AE4-94B3-FA728188EBA5}"/>
               </a:ext>
             </a:extLst>
           </p:cNvPr>
@@ -9592,7 +9602,7 @@
           <p:cNvPr id="14" name="Text Placeholder 28">
             <a:extLst>
               <a:ext uri="{FF2B5EF4-FFF2-40B4-BE49-F238E27FC236}">
-                <a16:creationId xmlns:a16="http://schemas.microsoft.com/office/drawing/2014/main" id="{5A429D4E-B795-4E55-852E-9E161F9EBD36}"/>
+                <a16:creationId xmlns="" xmlns:a16="http://schemas.microsoft.com/office/drawing/2014/main" id="{5A429D4E-B795-4E55-852E-9E161F9EBD36}"/>
               </a:ext>
             </a:extLst>
           </p:cNvPr>
@@ -9644,7 +9654,7 @@
           <p:cNvPr id="15" name="Text Placeholder 28">
             <a:extLst>
               <a:ext uri="{FF2B5EF4-FFF2-40B4-BE49-F238E27FC236}">
-                <a16:creationId xmlns:a16="http://schemas.microsoft.com/office/drawing/2014/main" id="{41D297CB-52EE-4DE4-AEAC-CD4AAF2BF17B}"/>
+                <a16:creationId xmlns="" xmlns:a16="http://schemas.microsoft.com/office/drawing/2014/main" id="{41D297CB-52EE-4DE4-AEAC-CD4AAF2BF17B}"/>
               </a:ext>
             </a:extLst>
           </p:cNvPr>
@@ -9696,7 +9706,7 @@
           <p:cNvPr id="9" name="Picture Placeholder 23">
             <a:extLst>
               <a:ext uri="{FF2B5EF4-FFF2-40B4-BE49-F238E27FC236}">
-                <a16:creationId xmlns:a16="http://schemas.microsoft.com/office/drawing/2014/main" id="{F5694B35-7776-4DB9-9EB7-3AF076EC357D}"/>
+                <a16:creationId xmlns="" xmlns:a16="http://schemas.microsoft.com/office/drawing/2014/main" id="{F5694B35-7776-4DB9-9EB7-3AF076EC357D}"/>
               </a:ext>
             </a:extLst>
           </p:cNvPr>
@@ -9742,7 +9752,7 @@
           <p:cNvPr id="16" name="Text Placeholder 28">
             <a:extLst>
               <a:ext uri="{FF2B5EF4-FFF2-40B4-BE49-F238E27FC236}">
-                <a16:creationId xmlns:a16="http://schemas.microsoft.com/office/drawing/2014/main" id="{AD7B736B-3A10-499F-8F23-4437982C8231}"/>
+                <a16:creationId xmlns="" xmlns:a16="http://schemas.microsoft.com/office/drawing/2014/main" id="{AD7B736B-3A10-499F-8F23-4437982C8231}"/>
               </a:ext>
             </a:extLst>
           </p:cNvPr>
@@ -9794,7 +9804,7 @@
           <p:cNvPr id="17" name="Text Placeholder 28">
             <a:extLst>
               <a:ext uri="{FF2B5EF4-FFF2-40B4-BE49-F238E27FC236}">
-                <a16:creationId xmlns:a16="http://schemas.microsoft.com/office/drawing/2014/main" id="{07165540-290D-4A38-87DE-F52B05BD6A1A}"/>
+                <a16:creationId xmlns="" xmlns:a16="http://schemas.microsoft.com/office/drawing/2014/main" id="{07165540-290D-4A38-87DE-F52B05BD6A1A}"/>
               </a:ext>
             </a:extLst>
           </p:cNvPr>
@@ -9846,7 +9856,7 @@
           <p:cNvPr id="3" name="Date Placeholder 2">
             <a:extLst>
               <a:ext uri="{FF2B5EF4-FFF2-40B4-BE49-F238E27FC236}">
-                <a16:creationId xmlns:a16="http://schemas.microsoft.com/office/drawing/2014/main" id="{A0C71211-4520-46A1-9487-4AE49C3239EF}"/>
+                <a16:creationId xmlns="" xmlns:a16="http://schemas.microsoft.com/office/drawing/2014/main" id="{A0C71211-4520-46A1-9487-4AE49C3239EF}"/>
               </a:ext>
             </a:extLst>
           </p:cNvPr>
@@ -9880,7 +9890,8 @@
           <a:p>
             <a:fld id="{C1F30CD5-42B1-4614-9F46-5D29928CC2DB}" type="datetime1">
               <a:rPr lang="en-US" smtClean="0"/>
-              <a:t>8/28/2024</a:t>
+              <a:pPr/>
+              <a:t>9/5/2024</a:t>
             </a:fld>
             <a:endParaRPr lang="en-US" dirty="0"/>
           </a:p>
@@ -9891,7 +9902,7 @@
           <p:cNvPr id="4" name="Footer Placeholder 3">
             <a:extLst>
               <a:ext uri="{FF2B5EF4-FFF2-40B4-BE49-F238E27FC236}">
-                <a16:creationId xmlns:a16="http://schemas.microsoft.com/office/drawing/2014/main" id="{96356206-85FD-45F5-A1F7-128DB34C860F}"/>
+                <a16:creationId xmlns="" xmlns:a16="http://schemas.microsoft.com/office/drawing/2014/main" id="{96356206-85FD-45F5-A1F7-128DB34C860F}"/>
               </a:ext>
             </a:extLst>
           </p:cNvPr>
@@ -9935,7 +9946,7 @@
           <p:cNvPr id="5" name="Slide Number Placeholder 4">
             <a:extLst>
               <a:ext uri="{FF2B5EF4-FFF2-40B4-BE49-F238E27FC236}">
-                <a16:creationId xmlns:a16="http://schemas.microsoft.com/office/drawing/2014/main" id="{0203763F-C8CD-4BCB-9A0A-B10F000BC1DB}"/>
+                <a16:creationId xmlns="" xmlns:a16="http://schemas.microsoft.com/office/drawing/2014/main" id="{0203763F-C8CD-4BCB-9A0A-B10F000BC1DB}"/>
               </a:ext>
             </a:extLst>
           </p:cNvPr>
@@ -9981,7 +9992,7 @@
           <p:cNvPr id="19" name="Freeform 18">
             <a:extLst>
               <a:ext uri="{FF2B5EF4-FFF2-40B4-BE49-F238E27FC236}">
-                <a16:creationId xmlns:a16="http://schemas.microsoft.com/office/drawing/2014/main" id="{AAB3BC7E-B34F-EF47-B125-1574C5484E22}"/>
+                <a16:creationId xmlns="" xmlns:a16="http://schemas.microsoft.com/office/drawing/2014/main" id="{AAB3BC7E-B34F-EF47-B125-1574C5484E22}"/>
               </a:ext>
             </a:extLst>
           </p:cNvPr>
@@ -10106,7 +10117,7 @@
           <p:cNvPr id="21" name="Freeform 20">
             <a:extLst>
               <a:ext uri="{FF2B5EF4-FFF2-40B4-BE49-F238E27FC236}">
-                <a16:creationId xmlns:a16="http://schemas.microsoft.com/office/drawing/2014/main" id="{7CBC82D0-4F72-C649-8B7F-D4B087957B6C}"/>
+                <a16:creationId xmlns="" xmlns:a16="http://schemas.microsoft.com/office/drawing/2014/main" id="{7CBC82D0-4F72-C649-8B7F-D4B087957B6C}"/>
               </a:ext>
             </a:extLst>
           </p:cNvPr>
@@ -10205,7 +10216,7 @@
           <p:cNvPr id="25" name="Freeform 24">
             <a:extLst>
               <a:ext uri="{FF2B5EF4-FFF2-40B4-BE49-F238E27FC236}">
-                <a16:creationId xmlns:a16="http://schemas.microsoft.com/office/drawing/2014/main" id="{9383F23A-D872-2A4C-B386-A9D269BE694D}"/>
+                <a16:creationId xmlns="" xmlns:a16="http://schemas.microsoft.com/office/drawing/2014/main" id="{9383F23A-D872-2A4C-B386-A9D269BE694D}"/>
               </a:ext>
             </a:extLst>
           </p:cNvPr>
@@ -10365,7 +10376,7 @@
           <p:cNvPr id="26" name="Oval 25">
             <a:extLst>
               <a:ext uri="{FF2B5EF4-FFF2-40B4-BE49-F238E27FC236}">
-                <a16:creationId xmlns:a16="http://schemas.microsoft.com/office/drawing/2014/main" id="{9221FFDB-AAE2-5943-97A1-82D66AE05DB4}"/>
+                <a16:creationId xmlns="" xmlns:a16="http://schemas.microsoft.com/office/drawing/2014/main" id="{9221FFDB-AAE2-5943-97A1-82D66AE05DB4}"/>
               </a:ext>
             </a:extLst>
           </p:cNvPr>
@@ -10419,7 +10430,7 @@
           <p:cNvPr id="27" name="Freeform 26">
             <a:extLst>
               <a:ext uri="{FF2B5EF4-FFF2-40B4-BE49-F238E27FC236}">
-                <a16:creationId xmlns:a16="http://schemas.microsoft.com/office/drawing/2014/main" id="{2E58EEF7-63CA-A845-BAC4-9D3BE05918B5}"/>
+                <a16:creationId xmlns="" xmlns:a16="http://schemas.microsoft.com/office/drawing/2014/main" id="{2E58EEF7-63CA-A845-BAC4-9D3BE05918B5}"/>
               </a:ext>
             </a:extLst>
           </p:cNvPr>
@@ -10544,7 +10555,7 @@
           <p:cNvPr id="28" name="Freeform 27">
             <a:extLst>
               <a:ext uri="{FF2B5EF4-FFF2-40B4-BE49-F238E27FC236}">
-                <a16:creationId xmlns:a16="http://schemas.microsoft.com/office/drawing/2014/main" id="{757A4624-D8ED-2E4B-AF8C-00DFA6A72D5F}"/>
+                <a16:creationId xmlns="" xmlns:a16="http://schemas.microsoft.com/office/drawing/2014/main" id="{757A4624-D8ED-2E4B-AF8C-00DFA6A72D5F}"/>
               </a:ext>
             </a:extLst>
           </p:cNvPr>
@@ -10643,7 +10654,7 @@
           <p:cNvPr id="29" name="Freeform 28">
             <a:extLst>
               <a:ext uri="{FF2B5EF4-FFF2-40B4-BE49-F238E27FC236}">
-                <a16:creationId xmlns:a16="http://schemas.microsoft.com/office/drawing/2014/main" id="{DF312EF8-91BE-5946-BE31-8CFE107A2FEA}"/>
+                <a16:creationId xmlns="" xmlns:a16="http://schemas.microsoft.com/office/drawing/2014/main" id="{DF312EF8-91BE-5946-BE31-8CFE107A2FEA}"/>
               </a:ext>
             </a:extLst>
           </p:cNvPr>
@@ -10801,7 +10812,7 @@
     </p:spTree>
     <p:extLst>
       <p:ext uri="{BB962C8B-B14F-4D97-AF65-F5344CB8AC3E}">
-        <p14:creationId xmlns:p14="http://schemas.microsoft.com/office/powerpoint/2010/main" val="3154419118"/>
+        <p14:creationId xmlns="" xmlns:p14="http://schemas.microsoft.com/office/powerpoint/2010/main" val="3154419118"/>
       </p:ext>
     </p:extLst>
   </p:cSld>
@@ -10841,7 +10852,7 @@
           <p:cNvPr id="54" name="Title 1">
             <a:extLst>
               <a:ext uri="{FF2B5EF4-FFF2-40B4-BE49-F238E27FC236}">
-                <a16:creationId xmlns:a16="http://schemas.microsoft.com/office/drawing/2014/main" id="{6825B690-1AD7-4243-AC42-D2CF19B7B02C}"/>
+                <a16:creationId xmlns="" xmlns:a16="http://schemas.microsoft.com/office/drawing/2014/main" id="{6825B690-1AD7-4243-AC42-D2CF19B7B02C}"/>
               </a:ext>
             </a:extLst>
           </p:cNvPr>
@@ -10883,7 +10894,7 @@
           <p:cNvPr id="6" name="Picture Placeholder 23">
             <a:extLst>
               <a:ext uri="{FF2B5EF4-FFF2-40B4-BE49-F238E27FC236}">
-                <a16:creationId xmlns:a16="http://schemas.microsoft.com/office/drawing/2014/main" id="{5E48B363-63E8-4F17-842B-53AD935A6529}"/>
+                <a16:creationId xmlns="" xmlns:a16="http://schemas.microsoft.com/office/drawing/2014/main" id="{5E48B363-63E8-4F17-842B-53AD935A6529}"/>
               </a:ext>
             </a:extLst>
           </p:cNvPr>
@@ -10928,7 +10939,7 @@
           <p:cNvPr id="31" name="Text Placeholder 28">
             <a:extLst>
               <a:ext uri="{FF2B5EF4-FFF2-40B4-BE49-F238E27FC236}">
-                <a16:creationId xmlns:a16="http://schemas.microsoft.com/office/drawing/2014/main" id="{1825005B-0520-EC49-9A5C-554CB700387B}"/>
+                <a16:creationId xmlns="" xmlns:a16="http://schemas.microsoft.com/office/drawing/2014/main" id="{1825005B-0520-EC49-9A5C-554CB700387B}"/>
               </a:ext>
             </a:extLst>
           </p:cNvPr>
@@ -10980,7 +10991,7 @@
           <p:cNvPr id="32" name="Text Placeholder 28">
             <a:extLst>
               <a:ext uri="{FF2B5EF4-FFF2-40B4-BE49-F238E27FC236}">
-                <a16:creationId xmlns:a16="http://schemas.microsoft.com/office/drawing/2014/main" id="{B6697B92-AF89-2C46-BC1E-6CB47E8EA421}"/>
+                <a16:creationId xmlns="" xmlns:a16="http://schemas.microsoft.com/office/drawing/2014/main" id="{B6697B92-AF89-2C46-BC1E-6CB47E8EA421}"/>
               </a:ext>
             </a:extLst>
           </p:cNvPr>
@@ -11032,7 +11043,7 @@
           <p:cNvPr id="33" name="Picture Placeholder 23">
             <a:extLst>
               <a:ext uri="{FF2B5EF4-FFF2-40B4-BE49-F238E27FC236}">
-                <a16:creationId xmlns:a16="http://schemas.microsoft.com/office/drawing/2014/main" id="{FA9FEBB0-45F1-DF45-89C4-B343F8B20BA0}"/>
+                <a16:creationId xmlns="" xmlns:a16="http://schemas.microsoft.com/office/drawing/2014/main" id="{FA9FEBB0-45F1-DF45-89C4-B343F8B20BA0}"/>
               </a:ext>
             </a:extLst>
           </p:cNvPr>
@@ -11077,7 +11088,7 @@
           <p:cNvPr id="34" name="Text Placeholder 28">
             <a:extLst>
               <a:ext uri="{FF2B5EF4-FFF2-40B4-BE49-F238E27FC236}">
-                <a16:creationId xmlns:a16="http://schemas.microsoft.com/office/drawing/2014/main" id="{EF331731-A7FC-C245-A9C1-0B1A2E994DB6}"/>
+                <a16:creationId xmlns="" xmlns:a16="http://schemas.microsoft.com/office/drawing/2014/main" id="{EF331731-A7FC-C245-A9C1-0B1A2E994DB6}"/>
               </a:ext>
             </a:extLst>
           </p:cNvPr>
@@ -11129,7 +11140,7 @@
           <p:cNvPr id="35" name="Text Placeholder 28">
             <a:extLst>
               <a:ext uri="{FF2B5EF4-FFF2-40B4-BE49-F238E27FC236}">
-                <a16:creationId xmlns:a16="http://schemas.microsoft.com/office/drawing/2014/main" id="{313B974E-E762-EE48-B2DF-C8F10DF73444}"/>
+                <a16:creationId xmlns="" xmlns:a16="http://schemas.microsoft.com/office/drawing/2014/main" id="{313B974E-E762-EE48-B2DF-C8F10DF73444}"/>
               </a:ext>
             </a:extLst>
           </p:cNvPr>
@@ -11181,7 +11192,7 @@
           <p:cNvPr id="36" name="Picture Placeholder 23">
             <a:extLst>
               <a:ext uri="{FF2B5EF4-FFF2-40B4-BE49-F238E27FC236}">
-                <a16:creationId xmlns:a16="http://schemas.microsoft.com/office/drawing/2014/main" id="{8BA62E8C-79E6-D245-B706-FFB1E051B2D6}"/>
+                <a16:creationId xmlns="" xmlns:a16="http://schemas.microsoft.com/office/drawing/2014/main" id="{8BA62E8C-79E6-D245-B706-FFB1E051B2D6}"/>
               </a:ext>
             </a:extLst>
           </p:cNvPr>
@@ -11226,7 +11237,7 @@
           <p:cNvPr id="37" name="Text Placeholder 28">
             <a:extLst>
               <a:ext uri="{FF2B5EF4-FFF2-40B4-BE49-F238E27FC236}">
-                <a16:creationId xmlns:a16="http://schemas.microsoft.com/office/drawing/2014/main" id="{4199EE50-5386-0446-8ADA-23C1B0D6EA4F}"/>
+                <a16:creationId xmlns="" xmlns:a16="http://schemas.microsoft.com/office/drawing/2014/main" id="{4199EE50-5386-0446-8ADA-23C1B0D6EA4F}"/>
               </a:ext>
             </a:extLst>
           </p:cNvPr>
@@ -11278,7 +11289,7 @@
           <p:cNvPr id="38" name="Text Placeholder 28">
             <a:extLst>
               <a:ext uri="{FF2B5EF4-FFF2-40B4-BE49-F238E27FC236}">
-                <a16:creationId xmlns:a16="http://schemas.microsoft.com/office/drawing/2014/main" id="{478AB5CA-B5A5-934D-BF51-1485953A703D}"/>
+                <a16:creationId xmlns="" xmlns:a16="http://schemas.microsoft.com/office/drawing/2014/main" id="{478AB5CA-B5A5-934D-BF51-1485953A703D}"/>
               </a:ext>
             </a:extLst>
           </p:cNvPr>
@@ -11330,7 +11341,7 @@
           <p:cNvPr id="39" name="Picture Placeholder 23">
             <a:extLst>
               <a:ext uri="{FF2B5EF4-FFF2-40B4-BE49-F238E27FC236}">
-                <a16:creationId xmlns:a16="http://schemas.microsoft.com/office/drawing/2014/main" id="{3D78BE06-1FC7-3C43-BD15-F4137B564B58}"/>
+                <a16:creationId xmlns="" xmlns:a16="http://schemas.microsoft.com/office/drawing/2014/main" id="{3D78BE06-1FC7-3C43-BD15-F4137B564B58}"/>
               </a:ext>
             </a:extLst>
           </p:cNvPr>
@@ -11375,7 +11386,7 @@
           <p:cNvPr id="40" name="Text Placeholder 28">
             <a:extLst>
               <a:ext uri="{FF2B5EF4-FFF2-40B4-BE49-F238E27FC236}">
-                <a16:creationId xmlns:a16="http://schemas.microsoft.com/office/drawing/2014/main" id="{14F01FCC-4797-0343-8739-20331C751C18}"/>
+                <a16:creationId xmlns="" xmlns:a16="http://schemas.microsoft.com/office/drawing/2014/main" id="{14F01FCC-4797-0343-8739-20331C751C18}"/>
               </a:ext>
             </a:extLst>
           </p:cNvPr>
@@ -11427,7 +11438,7 @@
           <p:cNvPr id="41" name="Text Placeholder 28">
             <a:extLst>
               <a:ext uri="{FF2B5EF4-FFF2-40B4-BE49-F238E27FC236}">
-                <a16:creationId xmlns:a16="http://schemas.microsoft.com/office/drawing/2014/main" id="{33FBE6CA-EC7A-1A4B-ADA3-6B78F2DE09C2}"/>
+                <a16:creationId xmlns="" xmlns:a16="http://schemas.microsoft.com/office/drawing/2014/main" id="{33FBE6CA-EC7A-1A4B-ADA3-6B78F2DE09C2}"/>
               </a:ext>
             </a:extLst>
           </p:cNvPr>
@@ -11479,7 +11490,7 @@
           <p:cNvPr id="42" name="Picture Placeholder 23">
             <a:extLst>
               <a:ext uri="{FF2B5EF4-FFF2-40B4-BE49-F238E27FC236}">
-                <a16:creationId xmlns:a16="http://schemas.microsoft.com/office/drawing/2014/main" id="{6DD7CCE4-AD48-B64F-909E-F88961FBDFC5}"/>
+                <a16:creationId xmlns="" xmlns:a16="http://schemas.microsoft.com/office/drawing/2014/main" id="{6DD7CCE4-AD48-B64F-909E-F88961FBDFC5}"/>
               </a:ext>
             </a:extLst>
           </p:cNvPr>
@@ -11524,7 +11535,7 @@
           <p:cNvPr id="43" name="Text Placeholder 28">
             <a:extLst>
               <a:ext uri="{FF2B5EF4-FFF2-40B4-BE49-F238E27FC236}">
-                <a16:creationId xmlns:a16="http://schemas.microsoft.com/office/drawing/2014/main" id="{C076E7E2-3D95-EA47-BF86-444615F1F141}"/>
+                <a16:creationId xmlns="" xmlns:a16="http://schemas.microsoft.com/office/drawing/2014/main" id="{C076E7E2-3D95-EA47-BF86-444615F1F141}"/>
               </a:ext>
             </a:extLst>
           </p:cNvPr>
@@ -11576,7 +11587,7 @@
           <p:cNvPr id="44" name="Text Placeholder 28">
             <a:extLst>
               <a:ext uri="{FF2B5EF4-FFF2-40B4-BE49-F238E27FC236}">
-                <a16:creationId xmlns:a16="http://schemas.microsoft.com/office/drawing/2014/main" id="{612499D2-373C-3940-97A5-FCA8B245BE45}"/>
+                <a16:creationId xmlns="" xmlns:a16="http://schemas.microsoft.com/office/drawing/2014/main" id="{612499D2-373C-3940-97A5-FCA8B245BE45}"/>
               </a:ext>
             </a:extLst>
           </p:cNvPr>
@@ -11628,7 +11639,7 @@
           <p:cNvPr id="45" name="Picture Placeholder 23">
             <a:extLst>
               <a:ext uri="{FF2B5EF4-FFF2-40B4-BE49-F238E27FC236}">
-                <a16:creationId xmlns:a16="http://schemas.microsoft.com/office/drawing/2014/main" id="{24B34D6D-4F7E-3942-B8D7-9970BDE53C10}"/>
+                <a16:creationId xmlns="" xmlns:a16="http://schemas.microsoft.com/office/drawing/2014/main" id="{24B34D6D-4F7E-3942-B8D7-9970BDE53C10}"/>
               </a:ext>
             </a:extLst>
           </p:cNvPr>
@@ -11673,7 +11684,7 @@
           <p:cNvPr id="46" name="Text Placeholder 28">
             <a:extLst>
               <a:ext uri="{FF2B5EF4-FFF2-40B4-BE49-F238E27FC236}">
-                <a16:creationId xmlns:a16="http://schemas.microsoft.com/office/drawing/2014/main" id="{D34EDB1D-7E85-D242-B6AE-F6D6907D325A}"/>
+                <a16:creationId xmlns="" xmlns:a16="http://schemas.microsoft.com/office/drawing/2014/main" id="{D34EDB1D-7E85-D242-B6AE-F6D6907D325A}"/>
               </a:ext>
             </a:extLst>
           </p:cNvPr>
@@ -11725,7 +11736,7 @@
           <p:cNvPr id="47" name="Text Placeholder 28">
             <a:extLst>
               <a:ext uri="{FF2B5EF4-FFF2-40B4-BE49-F238E27FC236}">
-                <a16:creationId xmlns:a16="http://schemas.microsoft.com/office/drawing/2014/main" id="{3E3BFFF0-114B-6D42-B5E0-8020AC2E26BF}"/>
+                <a16:creationId xmlns="" xmlns:a16="http://schemas.microsoft.com/office/drawing/2014/main" id="{3E3BFFF0-114B-6D42-B5E0-8020AC2E26BF}"/>
               </a:ext>
             </a:extLst>
           </p:cNvPr>
@@ -11777,7 +11788,7 @@
           <p:cNvPr id="48" name="Picture Placeholder 23">
             <a:extLst>
               <a:ext uri="{FF2B5EF4-FFF2-40B4-BE49-F238E27FC236}">
-                <a16:creationId xmlns:a16="http://schemas.microsoft.com/office/drawing/2014/main" id="{EB4488EE-E854-724E-95AE-B9943EE249EA}"/>
+                <a16:creationId xmlns="" xmlns:a16="http://schemas.microsoft.com/office/drawing/2014/main" id="{EB4488EE-E854-724E-95AE-B9943EE249EA}"/>
               </a:ext>
             </a:extLst>
           </p:cNvPr>
@@ -11822,7 +11833,7 @@
           <p:cNvPr id="49" name="Text Placeholder 28">
             <a:extLst>
               <a:ext uri="{FF2B5EF4-FFF2-40B4-BE49-F238E27FC236}">
-                <a16:creationId xmlns:a16="http://schemas.microsoft.com/office/drawing/2014/main" id="{C5551B4D-583E-D644-9069-EC096CE76F50}"/>
+                <a16:creationId xmlns="" xmlns:a16="http://schemas.microsoft.com/office/drawing/2014/main" id="{C5551B4D-583E-D644-9069-EC096CE76F50}"/>
               </a:ext>
             </a:extLst>
           </p:cNvPr>
@@ -11874,7 +11885,7 @@
           <p:cNvPr id="50" name="Text Placeholder 28">
             <a:extLst>
               <a:ext uri="{FF2B5EF4-FFF2-40B4-BE49-F238E27FC236}">
-                <a16:creationId xmlns:a16="http://schemas.microsoft.com/office/drawing/2014/main" id="{E30C4783-1643-2243-BB4F-E99E04D9216B}"/>
+                <a16:creationId xmlns="" xmlns:a16="http://schemas.microsoft.com/office/drawing/2014/main" id="{E30C4783-1643-2243-BB4F-E99E04D9216B}"/>
               </a:ext>
             </a:extLst>
           </p:cNvPr>
@@ -11926,7 +11937,7 @@
           <p:cNvPr id="51" name="Picture Placeholder 23">
             <a:extLst>
               <a:ext uri="{FF2B5EF4-FFF2-40B4-BE49-F238E27FC236}">
-                <a16:creationId xmlns:a16="http://schemas.microsoft.com/office/drawing/2014/main" id="{7BBADCE0-02E8-3249-8CBA-17D3783DFE70}"/>
+                <a16:creationId xmlns="" xmlns:a16="http://schemas.microsoft.com/office/drawing/2014/main" id="{7BBADCE0-02E8-3249-8CBA-17D3783DFE70}"/>
               </a:ext>
             </a:extLst>
           </p:cNvPr>
@@ -11971,7 +11982,7 @@
           <p:cNvPr id="52" name="Text Placeholder 28">
             <a:extLst>
               <a:ext uri="{FF2B5EF4-FFF2-40B4-BE49-F238E27FC236}">
-                <a16:creationId xmlns:a16="http://schemas.microsoft.com/office/drawing/2014/main" id="{8D294C40-97E4-FF4F-8A02-10FC7D0EE8B0}"/>
+                <a16:creationId xmlns="" xmlns:a16="http://schemas.microsoft.com/office/drawing/2014/main" id="{8D294C40-97E4-FF4F-8A02-10FC7D0EE8B0}"/>
               </a:ext>
             </a:extLst>
           </p:cNvPr>
@@ -12023,7 +12034,7 @@
           <p:cNvPr id="53" name="Text Placeholder 28">
             <a:extLst>
               <a:ext uri="{FF2B5EF4-FFF2-40B4-BE49-F238E27FC236}">
-                <a16:creationId xmlns:a16="http://schemas.microsoft.com/office/drawing/2014/main" id="{8B38241F-01B5-574C-A827-67C6352C463C}"/>
+                <a16:creationId xmlns="" xmlns:a16="http://schemas.microsoft.com/office/drawing/2014/main" id="{8B38241F-01B5-574C-A827-67C6352C463C}"/>
               </a:ext>
             </a:extLst>
           </p:cNvPr>
@@ -12075,7 +12086,7 @@
           <p:cNvPr id="18" name="Date Placeholder 17">
             <a:extLst>
               <a:ext uri="{FF2B5EF4-FFF2-40B4-BE49-F238E27FC236}">
-                <a16:creationId xmlns:a16="http://schemas.microsoft.com/office/drawing/2014/main" id="{30445668-2DC5-E84C-8B16-922BC95F13F2}"/>
+                <a16:creationId xmlns="" xmlns:a16="http://schemas.microsoft.com/office/drawing/2014/main" id="{30445668-2DC5-E84C-8B16-922BC95F13F2}"/>
               </a:ext>
             </a:extLst>
           </p:cNvPr>
@@ -12104,7 +12115,8 @@
           <a:p>
             <a:fld id="{EE6020E3-D95B-4E55-964F-4B1A98BDAA6F}" type="datetime1">
               <a:rPr lang="en-US" smtClean="0"/>
-              <a:t>8/28/2024</a:t>
+              <a:pPr/>
+              <a:t>9/5/2024</a:t>
             </a:fld>
             <a:endParaRPr lang="en-US" dirty="0"/>
           </a:p>
@@ -12115,7 +12127,7 @@
           <p:cNvPr id="22" name="Footer Placeholder 21">
             <a:extLst>
               <a:ext uri="{FF2B5EF4-FFF2-40B4-BE49-F238E27FC236}">
-                <a16:creationId xmlns:a16="http://schemas.microsoft.com/office/drawing/2014/main" id="{D9227732-A878-814C-8621-64ED1B2CCF9F}"/>
+                <a16:creationId xmlns="" xmlns:a16="http://schemas.microsoft.com/office/drawing/2014/main" id="{D9227732-A878-814C-8621-64ED1B2CCF9F}"/>
               </a:ext>
             </a:extLst>
           </p:cNvPr>
@@ -12154,7 +12166,7 @@
           <p:cNvPr id="23" name="Slide Number Placeholder 22">
             <a:extLst>
               <a:ext uri="{FF2B5EF4-FFF2-40B4-BE49-F238E27FC236}">
-                <a16:creationId xmlns:a16="http://schemas.microsoft.com/office/drawing/2014/main" id="{CE9F02AC-6DFB-0C47-BC8E-4B0594007F33}"/>
+                <a16:creationId xmlns="" xmlns:a16="http://schemas.microsoft.com/office/drawing/2014/main" id="{CE9F02AC-6DFB-0C47-BC8E-4B0594007F33}"/>
               </a:ext>
             </a:extLst>
           </p:cNvPr>
@@ -12193,7 +12205,7 @@
     </p:spTree>
     <p:extLst>
       <p:ext uri="{BB962C8B-B14F-4D97-AF65-F5344CB8AC3E}">
-        <p14:creationId xmlns:p14="http://schemas.microsoft.com/office/powerpoint/2010/main" val="2005721973"/>
+        <p14:creationId xmlns="" xmlns:p14="http://schemas.microsoft.com/office/powerpoint/2010/main" val="2005721973"/>
       </p:ext>
     </p:extLst>
   </p:cSld>
@@ -12230,7 +12242,7 @@
           <p:cNvPr id="2" name="Title Placeholder 1">
             <a:extLst>
               <a:ext uri="{FF2B5EF4-FFF2-40B4-BE49-F238E27FC236}">
-                <a16:creationId xmlns:a16="http://schemas.microsoft.com/office/drawing/2014/main" id="{9198F9AA-2C87-421D-97C1-B4248DFDC2C2}"/>
+                <a16:creationId xmlns="" xmlns:a16="http://schemas.microsoft.com/office/drawing/2014/main" id="{9198F9AA-2C87-421D-97C1-B4248DFDC2C2}"/>
               </a:ext>
             </a:extLst>
           </p:cNvPr>
@@ -12268,7 +12280,7 @@
           <p:cNvPr id="3" name="Text Placeholder 2">
             <a:extLst>
               <a:ext uri="{FF2B5EF4-FFF2-40B4-BE49-F238E27FC236}">
-                <a16:creationId xmlns:a16="http://schemas.microsoft.com/office/drawing/2014/main" id="{AE98FC63-C8D2-4CE6-A3F1-EE8ED24590C4}"/>
+                <a16:creationId xmlns="" xmlns:a16="http://schemas.microsoft.com/office/drawing/2014/main" id="{AE98FC63-C8D2-4CE6-A3F1-EE8ED24590C4}"/>
               </a:ext>
             </a:extLst>
           </p:cNvPr>
@@ -12335,7 +12347,7 @@
           <p:cNvPr id="4" name="Date Placeholder 3">
             <a:extLst>
               <a:ext uri="{FF2B5EF4-FFF2-40B4-BE49-F238E27FC236}">
-                <a16:creationId xmlns:a16="http://schemas.microsoft.com/office/drawing/2014/main" id="{EED77A09-15C2-4E47-948E-AACAFCA47D40}"/>
+                <a16:creationId xmlns="" xmlns:a16="http://schemas.microsoft.com/office/drawing/2014/main" id="{EED77A09-15C2-4E47-948E-AACAFCA47D40}"/>
               </a:ext>
             </a:extLst>
           </p:cNvPr>
@@ -12372,7 +12384,8 @@
           <a:p>
             <a:fld id="{FC9A72C8-1C87-42EF-8A11-BF6DFA19ED8B}" type="datetime1">
               <a:rPr lang="en-US" smtClean="0"/>
-              <a:t>8/28/2024</a:t>
+              <a:pPr/>
+              <a:t>9/5/2024</a:t>
             </a:fld>
             <a:endParaRPr lang="en-US" dirty="0"/>
           </a:p>
@@ -12383,7 +12396,7 @@
           <p:cNvPr id="5" name="Footer Placeholder 4">
             <a:extLst>
               <a:ext uri="{FF2B5EF4-FFF2-40B4-BE49-F238E27FC236}">
-                <a16:creationId xmlns:a16="http://schemas.microsoft.com/office/drawing/2014/main" id="{60567522-C3B6-46EB-A361-BEC2510B00CA}"/>
+                <a16:creationId xmlns="" xmlns:a16="http://schemas.microsoft.com/office/drawing/2014/main" id="{60567522-C3B6-46EB-A361-BEC2510B00CA}"/>
               </a:ext>
             </a:extLst>
           </p:cNvPr>
@@ -12430,7 +12443,7 @@
           <p:cNvPr id="6" name="Slide Number Placeholder 5">
             <a:extLst>
               <a:ext uri="{FF2B5EF4-FFF2-40B4-BE49-F238E27FC236}">
-                <a16:creationId xmlns:a16="http://schemas.microsoft.com/office/drawing/2014/main" id="{CDC57CF0-034F-450D-937C-718D5AF1A059}"/>
+                <a16:creationId xmlns="" xmlns:a16="http://schemas.microsoft.com/office/drawing/2014/main" id="{CDC57CF0-034F-450D-937C-718D5AF1A059}"/>
               </a:ext>
             </a:extLst>
           </p:cNvPr>
@@ -12477,7 +12490,7 @@
     </p:spTree>
     <p:extLst>
       <p:ext uri="{BB962C8B-B14F-4D97-AF65-F5344CB8AC3E}">
-        <p14:creationId xmlns:p14="http://schemas.microsoft.com/office/powerpoint/2010/main" val="1788353970"/>
+        <p14:creationId xmlns="" xmlns:p14="http://schemas.microsoft.com/office/powerpoint/2010/main" val="1788353970"/>
       </p:ext>
     </p:extLst>
   </p:cSld>
@@ -12780,7 +12793,7 @@
   </p:txStyles>
   <p:extLst>
     <p:ext uri="{27BBF7A9-308A-43DC-89C8-2F10F3537804}">
-      <p15:sldGuideLst xmlns:p15="http://schemas.microsoft.com/office/powerpoint/2012/main">
+      <p15:sldGuideLst xmlns="" xmlns:p15="http://schemas.microsoft.com/office/powerpoint/2012/main">
         <p15:guide id="1" orient="horz" pos="2160" userDrawn="1">
           <p15:clr>
             <a:srgbClr val="A4A3A4"/>
@@ -12889,7 +12902,7 @@
           <p:cNvPr id="2" name="Title 1">
             <a:extLst>
               <a:ext uri="{FF2B5EF4-FFF2-40B4-BE49-F238E27FC236}">
-                <a16:creationId xmlns:a16="http://schemas.microsoft.com/office/drawing/2014/main" id="{51DF3D98-3C30-4CFC-8643-C81E829C8C25}"/>
+                <a16:creationId xmlns="" xmlns:a16="http://schemas.microsoft.com/office/drawing/2014/main" id="{51DF3D98-3C30-4CFC-8643-C81E829C8C25}"/>
               </a:ext>
             </a:extLst>
           </p:cNvPr>
@@ -12925,7 +12938,7 @@
           <p:cNvPr id="3" name="Subtitle 2">
             <a:extLst>
               <a:ext uri="{FF2B5EF4-FFF2-40B4-BE49-F238E27FC236}">
-                <a16:creationId xmlns:a16="http://schemas.microsoft.com/office/drawing/2014/main" id="{A068D447-28D3-4F5F-B2DC-FD67E9015868}"/>
+                <a16:creationId xmlns="" xmlns:a16="http://schemas.microsoft.com/office/drawing/2014/main" id="{A068D447-28D3-4F5F-B2DC-FD67E9015868}"/>
               </a:ext>
             </a:extLst>
           </p:cNvPr>
@@ -13074,7 +13087,7 @@
     </p:spTree>
     <p:extLst>
       <p:ext uri="{BB962C8B-B14F-4D97-AF65-F5344CB8AC3E}">
-        <p14:creationId xmlns:p14="http://schemas.microsoft.com/office/powerpoint/2010/main" val="2259308896"/>
+        <p14:creationId xmlns="" xmlns:p14="http://schemas.microsoft.com/office/powerpoint/2010/main" val="2259308896"/>
       </p:ext>
     </p:extLst>
   </p:cSld>
@@ -13106,7 +13119,7 @@
           <p:cNvPr id="3" name="Content Placeholder 2">
             <a:extLst>
               <a:ext uri="{FF2B5EF4-FFF2-40B4-BE49-F238E27FC236}">
-                <a16:creationId xmlns:a16="http://schemas.microsoft.com/office/drawing/2014/main" id="{56553818-3952-5346-9899-833C2CF64BFA}"/>
+                <a16:creationId xmlns="" xmlns:a16="http://schemas.microsoft.com/office/drawing/2014/main" id="{56553818-3952-5346-9899-833C2CF64BFA}"/>
               </a:ext>
             </a:extLst>
           </p:cNvPr>
@@ -13213,7 +13226,7 @@
           <p:cNvPr id="4" name="Footer Placeholder 3">
             <a:extLst>
               <a:ext uri="{FF2B5EF4-FFF2-40B4-BE49-F238E27FC236}">
-                <a16:creationId xmlns:a16="http://schemas.microsoft.com/office/drawing/2014/main" id="{9C681FB1-6041-67B0-3141-27B34B88E7DB}"/>
+                <a16:creationId xmlns="" xmlns:a16="http://schemas.microsoft.com/office/drawing/2014/main" id="{9C681FB1-6041-67B0-3141-27B34B88E7DB}"/>
               </a:ext>
             </a:extLst>
           </p:cNvPr>
@@ -13242,7 +13255,7 @@
           <p:cNvPr id="5" name="Slide Number Placeholder 4">
             <a:extLst>
               <a:ext uri="{FF2B5EF4-FFF2-40B4-BE49-F238E27FC236}">
-                <a16:creationId xmlns:a16="http://schemas.microsoft.com/office/drawing/2014/main" id="{4C1D78E4-EDC1-FB25-C4B1-D05EF30FE6E2}"/>
+                <a16:creationId xmlns="" xmlns:a16="http://schemas.microsoft.com/office/drawing/2014/main" id="{4C1D78E4-EDC1-FB25-C4B1-D05EF30FE6E2}"/>
               </a:ext>
             </a:extLst>
           </p:cNvPr>
@@ -13270,7 +13283,7 @@
     </p:spTree>
     <p:extLst>
       <p:ext uri="{BB962C8B-B14F-4D97-AF65-F5344CB8AC3E}">
-        <p14:creationId xmlns:p14="http://schemas.microsoft.com/office/powerpoint/2010/main" val="4156873486"/>
+        <p14:creationId xmlns="" xmlns:p14="http://schemas.microsoft.com/office/powerpoint/2010/main" val="4156873486"/>
       </p:ext>
     </p:extLst>
   </p:cSld>
@@ -13302,7 +13315,7 @@
           <p:cNvPr id="3" name="Content Placeholder 2">
             <a:extLst>
               <a:ext uri="{FF2B5EF4-FFF2-40B4-BE49-F238E27FC236}">
-                <a16:creationId xmlns:a16="http://schemas.microsoft.com/office/drawing/2014/main" id="{CD8BAECC-CF0C-D74D-ECFA-58BDDC812ECF}"/>
+                <a16:creationId xmlns="" xmlns:a16="http://schemas.microsoft.com/office/drawing/2014/main" id="{CD8BAECC-CF0C-D74D-ECFA-58BDDC812ECF}"/>
               </a:ext>
             </a:extLst>
           </p:cNvPr>
@@ -13348,69 +13361,10 @@
           </a:p>
         </p:txBody>
       </p:sp>
-      <p:sp>
-        <p:nvSpPr>
-          <p:cNvPr id="4" name="Footer Placeholder 3">
-            <a:extLst>
-              <a:ext uri="{FF2B5EF4-FFF2-40B4-BE49-F238E27FC236}">
-                <a16:creationId xmlns:a16="http://schemas.microsoft.com/office/drawing/2014/main" id="{B734E801-64F7-7383-EA51-12585D972201}"/>
-              </a:ext>
-            </a:extLst>
-          </p:cNvPr>
-          <p:cNvSpPr>
-            <a:spLocks noGrp="1"/>
-          </p:cNvSpPr>
-          <p:nvPr>
-            <p:ph type="ftr" sz="quarter" idx="3"/>
-          </p:nvPr>
-        </p:nvSpPr>
-        <p:spPr/>
-        <p:txBody>
-          <a:bodyPr/>
-          <a:lstStyle/>
-          <a:p>
-            <a:r>
-              <a:rPr lang="en-US"/>
-              <a:t>PRESENTATION TITLE</a:t>
-            </a:r>
-            <a:endParaRPr lang="en-US" dirty="0"/>
-          </a:p>
-        </p:txBody>
-      </p:sp>
-      <p:sp>
-        <p:nvSpPr>
-          <p:cNvPr id="5" name="Slide Number Placeholder 4">
-            <a:extLst>
-              <a:ext uri="{FF2B5EF4-FFF2-40B4-BE49-F238E27FC236}">
-                <a16:creationId xmlns:a16="http://schemas.microsoft.com/office/drawing/2014/main" id="{8853F2A4-1957-3159-685A-D505E4D0B87C}"/>
-              </a:ext>
-            </a:extLst>
-          </p:cNvPr>
-          <p:cNvSpPr>
-            <a:spLocks noGrp="1"/>
-          </p:cNvSpPr>
-          <p:nvPr>
-            <p:ph type="sldNum" sz="quarter" idx="4"/>
-          </p:nvPr>
-        </p:nvSpPr>
-        <p:spPr/>
-        <p:txBody>
-          <a:bodyPr/>
-          <a:lstStyle/>
-          <a:p>
-            <a:fld id="{294A09A9-5501-47C1-A89A-A340965A2BE2}" type="slidenum">
-              <a:rPr lang="en-US" smtClean="0"/>
-              <a:pPr/>
-              <a:t>11</a:t>
-            </a:fld>
-            <a:endParaRPr lang="en-US" dirty="0"/>
-          </a:p>
-        </p:txBody>
-      </p:sp>
     </p:spTree>
     <p:extLst>
       <p:ext uri="{BB962C8B-B14F-4D97-AF65-F5344CB8AC3E}">
-        <p14:creationId xmlns:p14="http://schemas.microsoft.com/office/powerpoint/2010/main" val="2651933491"/>
+        <p14:creationId xmlns="" xmlns:p14="http://schemas.microsoft.com/office/powerpoint/2010/main" val="2651933491"/>
       </p:ext>
     </p:extLst>
   </p:cSld>
@@ -13442,7 +13396,7 @@
           <p:cNvPr id="2" name="Title 1">
             <a:extLst>
               <a:ext uri="{FF2B5EF4-FFF2-40B4-BE49-F238E27FC236}">
-                <a16:creationId xmlns:a16="http://schemas.microsoft.com/office/drawing/2014/main" id="{EB9E4583-B717-4DCA-06D9-8C04620FED13}"/>
+                <a16:creationId xmlns="" xmlns:a16="http://schemas.microsoft.com/office/drawing/2014/main" id="{EB9E4583-B717-4DCA-06D9-8C04620FED13}"/>
               </a:ext>
             </a:extLst>
           </p:cNvPr>
@@ -13473,71 +13427,12 @@
           </a:p>
         </p:txBody>
       </p:sp>
-      <p:sp>
-        <p:nvSpPr>
-          <p:cNvPr id="4" name="Footer Placeholder 3">
-            <a:extLst>
-              <a:ext uri="{FF2B5EF4-FFF2-40B4-BE49-F238E27FC236}">
-                <a16:creationId xmlns:a16="http://schemas.microsoft.com/office/drawing/2014/main" id="{CA478D88-F2C3-66C7-15E6-F87F10D77B76}"/>
-              </a:ext>
-            </a:extLst>
-          </p:cNvPr>
-          <p:cNvSpPr>
-            <a:spLocks noGrp="1"/>
-          </p:cNvSpPr>
-          <p:nvPr>
-            <p:ph type="ftr" sz="quarter" idx="3"/>
-          </p:nvPr>
-        </p:nvSpPr>
-        <p:spPr/>
-        <p:txBody>
-          <a:bodyPr/>
-          <a:lstStyle/>
-          <a:p>
-            <a:r>
-              <a:rPr lang="en-US"/>
-              <a:t>PRESENTATION TITLE</a:t>
-            </a:r>
-            <a:endParaRPr lang="en-US" dirty="0"/>
-          </a:p>
-        </p:txBody>
-      </p:sp>
-      <p:sp>
-        <p:nvSpPr>
-          <p:cNvPr id="5" name="Slide Number Placeholder 4">
-            <a:extLst>
-              <a:ext uri="{FF2B5EF4-FFF2-40B4-BE49-F238E27FC236}">
-                <a16:creationId xmlns:a16="http://schemas.microsoft.com/office/drawing/2014/main" id="{6A711C13-4277-362D-0359-378F0BB17112}"/>
-              </a:ext>
-            </a:extLst>
-          </p:cNvPr>
-          <p:cNvSpPr>
-            <a:spLocks noGrp="1"/>
-          </p:cNvSpPr>
-          <p:nvPr>
-            <p:ph type="sldNum" sz="quarter" idx="4"/>
-          </p:nvPr>
-        </p:nvSpPr>
-        <p:spPr/>
-        <p:txBody>
-          <a:bodyPr/>
-          <a:lstStyle/>
-          <a:p>
-            <a:fld id="{294A09A9-5501-47C1-A89A-A340965A2BE2}" type="slidenum">
-              <a:rPr lang="en-US" smtClean="0"/>
-              <a:pPr/>
-              <a:t>12</a:t>
-            </a:fld>
-            <a:endParaRPr lang="en-US" dirty="0"/>
-          </a:p>
-        </p:txBody>
-      </p:sp>
       <p:pic>
         <p:nvPicPr>
           <p:cNvPr id="11" name="Picture 10">
             <a:extLst>
               <a:ext uri="{FF2B5EF4-FFF2-40B4-BE49-F238E27FC236}">
-                <a16:creationId xmlns:a16="http://schemas.microsoft.com/office/drawing/2014/main" id="{8E930577-7C2D-4A7C-94F4-FB0BCC7DBCB0}"/>
+                <a16:creationId xmlns="" xmlns:a16="http://schemas.microsoft.com/office/drawing/2014/main" id="{8E930577-7C2D-4A7C-94F4-FB0BCC7DBCB0}"/>
               </a:ext>
             </a:extLst>
           </p:cNvPr>
@@ -13567,7 +13462,7 @@
           <p:cNvPr id="15" name="Content Placeholder 14">
             <a:extLst>
               <a:ext uri="{FF2B5EF4-FFF2-40B4-BE49-F238E27FC236}">
-                <a16:creationId xmlns:a16="http://schemas.microsoft.com/office/drawing/2014/main" id="{01850FBC-7DE7-FDB8-77D7-F1A142B412AB}"/>
+                <a16:creationId xmlns="" xmlns:a16="http://schemas.microsoft.com/office/drawing/2014/main" id="{01850FBC-7DE7-FDB8-77D7-F1A142B412AB}"/>
               </a:ext>
             </a:extLst>
           </p:cNvPr>
@@ -13596,7 +13491,7 @@
           <p:cNvPr id="16" name="TextBox 15">
             <a:extLst>
               <a:ext uri="{FF2B5EF4-FFF2-40B4-BE49-F238E27FC236}">
-                <a16:creationId xmlns:a16="http://schemas.microsoft.com/office/drawing/2014/main" id="{FA561FA8-948A-E55F-E7B5-7BC5E79AABFC}"/>
+                <a16:creationId xmlns="" xmlns:a16="http://schemas.microsoft.com/office/drawing/2014/main" id="{FA561FA8-948A-E55F-E7B5-7BC5E79AABFC}"/>
               </a:ext>
             </a:extLst>
           </p:cNvPr>
@@ -13635,7 +13530,7 @@
           <p:cNvPr id="18" name="TextBox 17">
             <a:extLst>
               <a:ext uri="{FF2B5EF4-FFF2-40B4-BE49-F238E27FC236}">
-                <a16:creationId xmlns:a16="http://schemas.microsoft.com/office/drawing/2014/main" id="{D437DDC3-EC3C-6FFC-5F18-89A4C2D6D6F8}"/>
+                <a16:creationId xmlns="" xmlns:a16="http://schemas.microsoft.com/office/drawing/2014/main" id="{D437DDC3-EC3C-6FFC-5F18-89A4C2D6D6F8}"/>
               </a:ext>
             </a:extLst>
           </p:cNvPr>
@@ -13672,7 +13567,7 @@
     </p:spTree>
     <p:extLst>
       <p:ext uri="{BB962C8B-B14F-4D97-AF65-F5344CB8AC3E}">
-        <p14:creationId xmlns:p14="http://schemas.microsoft.com/office/powerpoint/2010/main" val="2710049416"/>
+        <p14:creationId xmlns="" xmlns:p14="http://schemas.microsoft.com/office/powerpoint/2010/main" val="2710049416"/>
       </p:ext>
     </p:extLst>
   </p:cSld>
@@ -13704,7 +13599,7 @@
           <p:cNvPr id="2" name="Title 1">
             <a:extLst>
               <a:ext uri="{FF2B5EF4-FFF2-40B4-BE49-F238E27FC236}">
-                <a16:creationId xmlns:a16="http://schemas.microsoft.com/office/drawing/2014/main" id="{8C543F67-9C70-4748-8C0C-3A7863422F99}"/>
+                <a16:creationId xmlns="" xmlns:a16="http://schemas.microsoft.com/office/drawing/2014/main" id="{8C543F67-9C70-4748-8C0C-3A7863422F99}"/>
               </a:ext>
             </a:extLst>
           </p:cNvPr>
@@ -13740,7 +13635,7 @@
           <p:cNvPr id="3" name="Content Placeholder 2">
             <a:extLst>
               <a:ext uri="{FF2B5EF4-FFF2-40B4-BE49-F238E27FC236}">
-                <a16:creationId xmlns:a16="http://schemas.microsoft.com/office/drawing/2014/main" id="{95B371F2-DBA5-415A-82C8-651F587B857A}"/>
+                <a16:creationId xmlns="" xmlns:a16="http://schemas.microsoft.com/office/drawing/2014/main" id="{95B371F2-DBA5-415A-82C8-651F587B857A}"/>
               </a:ext>
             </a:extLst>
           </p:cNvPr>
@@ -13772,75 +13667,10 @@
       </p:sp>
       <p:sp>
         <p:nvSpPr>
-          <p:cNvPr id="5" name="Footer Placeholder 4">
-            <a:extLst>
-              <a:ext uri="{FF2B5EF4-FFF2-40B4-BE49-F238E27FC236}">
-                <a16:creationId xmlns:a16="http://schemas.microsoft.com/office/drawing/2014/main" id="{D593FA18-50D6-0344-B477-1D7C91CF4029}"/>
-              </a:ext>
-            </a:extLst>
-          </p:cNvPr>
-          <p:cNvSpPr>
-            <a:spLocks noGrp="1"/>
-          </p:cNvSpPr>
-          <p:nvPr>
-            <p:ph type="ftr" sz="quarter" idx="11"/>
-          </p:nvPr>
-        </p:nvSpPr>
-        <p:spPr>
-          <a:xfrm>
-            <a:off x="4038600" y="6356350"/>
-            <a:ext cx="4114800" cy="365125"/>
-          </a:xfrm>
-        </p:spPr>
-        <p:txBody>
-          <a:bodyPr/>
-          <a:lstStyle/>
-          <a:p>
-            <a:endParaRPr lang="en-US" dirty="0"/>
-          </a:p>
-        </p:txBody>
-      </p:sp>
-      <p:sp>
-        <p:nvSpPr>
-          <p:cNvPr id="6" name="Slide Number Placeholder 5">
-            <a:extLst>
-              <a:ext uri="{FF2B5EF4-FFF2-40B4-BE49-F238E27FC236}">
-                <a16:creationId xmlns:a16="http://schemas.microsoft.com/office/drawing/2014/main" id="{134C72D2-EFDF-844A-8472-CB49A59B127B}"/>
-              </a:ext>
-            </a:extLst>
-          </p:cNvPr>
-          <p:cNvSpPr>
-            <a:spLocks noGrp="1"/>
-          </p:cNvSpPr>
-          <p:nvPr>
-            <p:ph type="sldNum" sz="quarter" idx="12"/>
-          </p:nvPr>
-        </p:nvSpPr>
-        <p:spPr>
-          <a:xfrm>
-            <a:off x="10206318" y="6356350"/>
-            <a:ext cx="1604682" cy="365125"/>
-          </a:xfrm>
-        </p:spPr>
-        <p:txBody>
-          <a:bodyPr/>
-          <a:lstStyle/>
-          <a:p>
-            <a:fld id="{294A09A9-5501-47C1-A89A-A340965A2BE2}" type="slidenum">
-              <a:rPr lang="en-US" smtClean="0"/>
-              <a:pPr/>
-              <a:t>13</a:t>
-            </a:fld>
-            <a:endParaRPr lang="en-US" dirty="0"/>
-          </a:p>
-        </p:txBody>
-      </p:sp>
-      <p:sp>
-        <p:nvSpPr>
           <p:cNvPr id="4" name="TextBox 3">
             <a:extLst>
               <a:ext uri="{FF2B5EF4-FFF2-40B4-BE49-F238E27FC236}">
-                <a16:creationId xmlns:a16="http://schemas.microsoft.com/office/drawing/2014/main" id="{03108FBE-FC87-333A-8E47-B9B06EEF00CF}"/>
+                <a16:creationId xmlns="" xmlns:a16="http://schemas.microsoft.com/office/drawing/2014/main" id="{03108FBE-FC87-333A-8E47-B9B06EEF00CF}"/>
               </a:ext>
             </a:extLst>
           </p:cNvPr>
@@ -13895,7 +13725,7 @@
     </p:spTree>
     <p:extLst>
       <p:ext uri="{BB962C8B-B14F-4D97-AF65-F5344CB8AC3E}">
-        <p14:creationId xmlns:p14="http://schemas.microsoft.com/office/powerpoint/2010/main" val="1639799154"/>
+        <p14:creationId xmlns="" xmlns:p14="http://schemas.microsoft.com/office/powerpoint/2010/main" val="1639799154"/>
       </p:ext>
     </p:extLst>
   </p:cSld>
@@ -13927,7 +13757,7 @@
           <p:cNvPr id="2" name="Title 1">
             <a:extLst>
               <a:ext uri="{FF2B5EF4-FFF2-40B4-BE49-F238E27FC236}">
-                <a16:creationId xmlns:a16="http://schemas.microsoft.com/office/drawing/2014/main" id="{51DF3D98-3C30-4CFC-8643-C81E829C8C25}"/>
+                <a16:creationId xmlns="" xmlns:a16="http://schemas.microsoft.com/office/drawing/2014/main" id="{51DF3D98-3C30-4CFC-8643-C81E829C8C25}"/>
               </a:ext>
             </a:extLst>
           </p:cNvPr>
@@ -13968,7 +13798,7 @@
           <p:cNvPr id="3" name="Subtitle 2">
             <a:extLst>
               <a:ext uri="{FF2B5EF4-FFF2-40B4-BE49-F238E27FC236}">
-                <a16:creationId xmlns:a16="http://schemas.microsoft.com/office/drawing/2014/main" id="{A068D447-28D3-4F5F-B2DC-FD67E9015868}"/>
+                <a16:creationId xmlns="" xmlns:a16="http://schemas.microsoft.com/office/drawing/2014/main" id="{A068D447-28D3-4F5F-B2DC-FD67E9015868}"/>
               </a:ext>
             </a:extLst>
           </p:cNvPr>
@@ -14017,7 +13847,7 @@
     </p:spTree>
     <p:extLst>
       <p:ext uri="{BB962C8B-B14F-4D97-AF65-F5344CB8AC3E}">
-        <p14:creationId xmlns:p14="http://schemas.microsoft.com/office/powerpoint/2010/main" val="2056534441"/>
+        <p14:creationId xmlns="" xmlns:p14="http://schemas.microsoft.com/office/powerpoint/2010/main" val="2056534441"/>
       </p:ext>
     </p:extLst>
   </p:cSld>
@@ -14049,7 +13879,7 @@
           <p:cNvPr id="2" name="Title 1">
             <a:extLst>
               <a:ext uri="{FF2B5EF4-FFF2-40B4-BE49-F238E27FC236}">
-                <a16:creationId xmlns:a16="http://schemas.microsoft.com/office/drawing/2014/main" id="{8B937904-C0A9-CA3E-9C21-C905B23BED93}"/>
+                <a16:creationId xmlns="" xmlns:a16="http://schemas.microsoft.com/office/drawing/2014/main" id="{8B937904-C0A9-CA3E-9C21-C905B23BED93}"/>
               </a:ext>
             </a:extLst>
           </p:cNvPr>
@@ -14090,7 +13920,7 @@
           <p:cNvPr id="3" name="Subtitle 2">
             <a:extLst>
               <a:ext uri="{FF2B5EF4-FFF2-40B4-BE49-F238E27FC236}">
-                <a16:creationId xmlns:a16="http://schemas.microsoft.com/office/drawing/2014/main" id="{A9B32C7A-8DC0-540C-BE48-F6D3764334A5}"/>
+                <a16:creationId xmlns="" xmlns:a16="http://schemas.microsoft.com/office/drawing/2014/main" id="{A9B32C7A-8DC0-540C-BE48-F6D3764334A5}"/>
               </a:ext>
             </a:extLst>
           </p:cNvPr>
@@ -14191,7 +14021,7 @@
     </p:spTree>
     <p:extLst>
       <p:ext uri="{BB962C8B-B14F-4D97-AF65-F5344CB8AC3E}">
-        <p14:creationId xmlns:p14="http://schemas.microsoft.com/office/powerpoint/2010/main" val="2593303168"/>
+        <p14:creationId xmlns="" xmlns:p14="http://schemas.microsoft.com/office/powerpoint/2010/main" val="2593303168"/>
       </p:ext>
     </p:extLst>
   </p:cSld>
@@ -14223,7 +14053,7 @@
           <p:cNvPr id="2" name="Title 1">
             <a:extLst>
               <a:ext uri="{FF2B5EF4-FFF2-40B4-BE49-F238E27FC236}">
-                <a16:creationId xmlns:a16="http://schemas.microsoft.com/office/drawing/2014/main" id="{912DF434-28DB-4621-A497-D62C41CE0419}"/>
+                <a16:creationId xmlns="" xmlns:a16="http://schemas.microsoft.com/office/drawing/2014/main" id="{912DF434-28DB-4621-A497-D62C41CE0419}"/>
               </a:ext>
             </a:extLst>
           </p:cNvPr>
@@ -14272,7 +14102,7 @@
           <p:cNvPr id="3" name="Content Placeholder 2">
             <a:extLst>
               <a:ext uri="{FF2B5EF4-FFF2-40B4-BE49-F238E27FC236}">
-                <a16:creationId xmlns:a16="http://schemas.microsoft.com/office/drawing/2014/main" id="{22788C46-D0BC-4307-AE55-7601A139E7CB}"/>
+                <a16:creationId xmlns="" xmlns:a16="http://schemas.microsoft.com/office/drawing/2014/main" id="{22788C46-D0BC-4307-AE55-7601A139E7CB}"/>
               </a:ext>
             </a:extLst>
           </p:cNvPr>
@@ -14362,40 +14192,10 @@
           </a:p>
         </p:txBody>
       </p:sp>
-      <p:sp>
-        <p:nvSpPr>
-          <p:cNvPr id="5" name="Footer Placeholder 4">
-            <a:extLst>
-              <a:ext uri="{FF2B5EF4-FFF2-40B4-BE49-F238E27FC236}">
-                <a16:creationId xmlns:a16="http://schemas.microsoft.com/office/drawing/2014/main" id="{6209FEB4-4C5C-EB43-9696-7B42453DB79B}"/>
-              </a:ext>
-            </a:extLst>
-          </p:cNvPr>
-          <p:cNvSpPr>
-            <a:spLocks noGrp="1"/>
-          </p:cNvSpPr>
-          <p:nvPr>
-            <p:ph type="ftr" sz="quarter" idx="3"/>
-          </p:nvPr>
-        </p:nvSpPr>
-        <p:spPr>
-          <a:xfrm>
-            <a:off x="7726894" y="6356350"/>
-            <a:ext cx="1817144" cy="365125"/>
-          </a:xfrm>
-        </p:spPr>
-        <p:txBody>
-          <a:bodyPr/>
-          <a:lstStyle/>
-          <a:p>
-            <a:endParaRPr lang="en-US" dirty="0"/>
-          </a:p>
-        </p:txBody>
-      </p:sp>
     </p:spTree>
     <p:extLst>
       <p:ext uri="{BB962C8B-B14F-4D97-AF65-F5344CB8AC3E}">
-        <p14:creationId xmlns:p14="http://schemas.microsoft.com/office/powerpoint/2010/main" val="1325608595"/>
+        <p14:creationId xmlns="" xmlns:p14="http://schemas.microsoft.com/office/powerpoint/2010/main" val="1325608595"/>
       </p:ext>
     </p:extLst>
   </p:cSld>
@@ -14427,7 +14227,7 @@
           <p:cNvPr id="2" name="Title 1">
             <a:extLst>
               <a:ext uri="{FF2B5EF4-FFF2-40B4-BE49-F238E27FC236}">
-                <a16:creationId xmlns:a16="http://schemas.microsoft.com/office/drawing/2014/main" id="{E5A0572B-2491-DB1B-7206-A4B96AEB0BA3}"/>
+                <a16:creationId xmlns="" xmlns:a16="http://schemas.microsoft.com/office/drawing/2014/main" id="{E5A0572B-2491-DB1B-7206-A4B96AEB0BA3}"/>
               </a:ext>
             </a:extLst>
           </p:cNvPr>
@@ -14474,7 +14274,7 @@
           <p:cNvPr id="3" name="Subtitle 2">
             <a:extLst>
               <a:ext uri="{FF2B5EF4-FFF2-40B4-BE49-F238E27FC236}">
-                <a16:creationId xmlns:a16="http://schemas.microsoft.com/office/drawing/2014/main" id="{B73C99F7-EA51-E9DA-23D5-A1AE327BB63D}"/>
+                <a16:creationId xmlns="" xmlns:a16="http://schemas.microsoft.com/office/drawing/2014/main" id="{B73C99F7-EA51-E9DA-23D5-A1AE327BB63D}"/>
               </a:ext>
             </a:extLst>
           </p:cNvPr>
@@ -14527,7 +14327,7 @@
     </p:spTree>
     <p:extLst>
       <p:ext uri="{BB962C8B-B14F-4D97-AF65-F5344CB8AC3E}">
-        <p14:creationId xmlns:p14="http://schemas.microsoft.com/office/powerpoint/2010/main" val="1747292430"/>
+        <p14:creationId xmlns="" xmlns:p14="http://schemas.microsoft.com/office/powerpoint/2010/main" val="1747292430"/>
       </p:ext>
     </p:extLst>
   </p:cSld>
@@ -14559,7 +14359,7 @@
           <p:cNvPr id="2" name="Title 1">
             <a:extLst>
               <a:ext uri="{FF2B5EF4-FFF2-40B4-BE49-F238E27FC236}">
-                <a16:creationId xmlns:a16="http://schemas.microsoft.com/office/drawing/2014/main" id="{B3CB47B0-9970-7113-73DA-B21BDDBC7992}"/>
+                <a16:creationId xmlns="" xmlns:a16="http://schemas.microsoft.com/office/drawing/2014/main" id="{B3CB47B0-9970-7113-73DA-B21BDDBC7992}"/>
               </a:ext>
             </a:extLst>
           </p:cNvPr>
@@ -14592,7 +14392,7 @@
           <p:cNvPr id="3" name="Content Placeholder 2">
             <a:extLst>
               <a:ext uri="{FF2B5EF4-FFF2-40B4-BE49-F238E27FC236}">
-                <a16:creationId xmlns:a16="http://schemas.microsoft.com/office/drawing/2014/main" id="{A94E0C25-5DC4-6F46-4B29-FC9BEDC460EB}"/>
+                <a16:creationId xmlns="" xmlns:a16="http://schemas.microsoft.com/office/drawing/2014/main" id="{A94E0C25-5DC4-6F46-4B29-FC9BEDC460EB}"/>
               </a:ext>
             </a:extLst>
           </p:cNvPr>
@@ -14680,69 +14480,10 @@
           </a:p>
         </p:txBody>
       </p:sp>
-      <p:sp>
-        <p:nvSpPr>
-          <p:cNvPr id="4" name="Footer Placeholder 3">
-            <a:extLst>
-              <a:ext uri="{FF2B5EF4-FFF2-40B4-BE49-F238E27FC236}">
-                <a16:creationId xmlns:a16="http://schemas.microsoft.com/office/drawing/2014/main" id="{EFBADAB7-9E80-780F-23F1-2A7C408FBE5B}"/>
-              </a:ext>
-            </a:extLst>
-          </p:cNvPr>
-          <p:cNvSpPr>
-            <a:spLocks noGrp="1"/>
-          </p:cNvSpPr>
-          <p:nvPr>
-            <p:ph type="ftr" sz="quarter" idx="3"/>
-          </p:nvPr>
-        </p:nvSpPr>
-        <p:spPr/>
-        <p:txBody>
-          <a:bodyPr/>
-          <a:lstStyle/>
-          <a:p>
-            <a:r>
-              <a:rPr lang="en-US"/>
-              <a:t>PRESENTATION TITLE</a:t>
-            </a:r>
-            <a:endParaRPr lang="en-US" dirty="0"/>
-          </a:p>
-        </p:txBody>
-      </p:sp>
-      <p:sp>
-        <p:nvSpPr>
-          <p:cNvPr id="5" name="Slide Number Placeholder 4">
-            <a:extLst>
-              <a:ext uri="{FF2B5EF4-FFF2-40B4-BE49-F238E27FC236}">
-                <a16:creationId xmlns:a16="http://schemas.microsoft.com/office/drawing/2014/main" id="{4A3A3C2E-B696-1B8C-0503-546567F24D79}"/>
-              </a:ext>
-            </a:extLst>
-          </p:cNvPr>
-          <p:cNvSpPr>
-            <a:spLocks noGrp="1"/>
-          </p:cNvSpPr>
-          <p:nvPr>
-            <p:ph type="sldNum" sz="quarter" idx="4"/>
-          </p:nvPr>
-        </p:nvSpPr>
-        <p:spPr/>
-        <p:txBody>
-          <a:bodyPr/>
-          <a:lstStyle/>
-          <a:p>
-            <a:fld id="{294A09A9-5501-47C1-A89A-A340965A2BE2}" type="slidenum">
-              <a:rPr lang="en-US" smtClean="0"/>
-              <a:pPr/>
-              <a:t>6</a:t>
-            </a:fld>
-            <a:endParaRPr lang="en-US" dirty="0"/>
-          </a:p>
-        </p:txBody>
-      </p:sp>
     </p:spTree>
     <p:extLst>
       <p:ext uri="{BB962C8B-B14F-4D97-AF65-F5344CB8AC3E}">
-        <p14:creationId xmlns:p14="http://schemas.microsoft.com/office/powerpoint/2010/main" val="2461792463"/>
+        <p14:creationId xmlns="" xmlns:p14="http://schemas.microsoft.com/office/powerpoint/2010/main" val="2461792463"/>
       </p:ext>
     </p:extLst>
   </p:cSld>
@@ -14774,7 +14515,7 @@
           <p:cNvPr id="3" name="Content Placeholder 2">
             <a:extLst>
               <a:ext uri="{FF2B5EF4-FFF2-40B4-BE49-F238E27FC236}">
-                <a16:creationId xmlns:a16="http://schemas.microsoft.com/office/drawing/2014/main" id="{FB4E8126-C374-BFFE-A0BC-83173B08726F}"/>
+                <a16:creationId xmlns="" xmlns:a16="http://schemas.microsoft.com/office/drawing/2014/main" id="{FB4E8126-C374-BFFE-A0BC-83173B08726F}"/>
               </a:ext>
             </a:extLst>
           </p:cNvPr>
@@ -14829,69 +14570,10 @@
           </a:p>
         </p:txBody>
       </p:sp>
-      <p:sp>
-        <p:nvSpPr>
-          <p:cNvPr id="4" name="Footer Placeholder 3">
-            <a:extLst>
-              <a:ext uri="{FF2B5EF4-FFF2-40B4-BE49-F238E27FC236}">
-                <a16:creationId xmlns:a16="http://schemas.microsoft.com/office/drawing/2014/main" id="{B155FB33-4215-C328-6420-8BD700A55298}"/>
-              </a:ext>
-            </a:extLst>
-          </p:cNvPr>
-          <p:cNvSpPr>
-            <a:spLocks noGrp="1"/>
-          </p:cNvSpPr>
-          <p:nvPr>
-            <p:ph type="ftr" sz="quarter" idx="3"/>
-          </p:nvPr>
-        </p:nvSpPr>
-        <p:spPr/>
-        <p:txBody>
-          <a:bodyPr/>
-          <a:lstStyle/>
-          <a:p>
-            <a:r>
-              <a:rPr lang="en-US"/>
-              <a:t>PRESENTATION TITLE</a:t>
-            </a:r>
-            <a:endParaRPr lang="en-US" dirty="0"/>
-          </a:p>
-        </p:txBody>
-      </p:sp>
-      <p:sp>
-        <p:nvSpPr>
-          <p:cNvPr id="5" name="Slide Number Placeholder 4">
-            <a:extLst>
-              <a:ext uri="{FF2B5EF4-FFF2-40B4-BE49-F238E27FC236}">
-                <a16:creationId xmlns:a16="http://schemas.microsoft.com/office/drawing/2014/main" id="{EA1C0CEF-4C78-30E8-549B-0C7CA2DBFBA0}"/>
-              </a:ext>
-            </a:extLst>
-          </p:cNvPr>
-          <p:cNvSpPr>
-            <a:spLocks noGrp="1"/>
-          </p:cNvSpPr>
-          <p:nvPr>
-            <p:ph type="sldNum" sz="quarter" idx="4"/>
-          </p:nvPr>
-        </p:nvSpPr>
-        <p:spPr/>
-        <p:txBody>
-          <a:bodyPr/>
-          <a:lstStyle/>
-          <a:p>
-            <a:fld id="{294A09A9-5501-47C1-A89A-A340965A2BE2}" type="slidenum">
-              <a:rPr lang="en-US" smtClean="0"/>
-              <a:pPr/>
-              <a:t>7</a:t>
-            </a:fld>
-            <a:endParaRPr lang="en-US" dirty="0"/>
-          </a:p>
-        </p:txBody>
-      </p:sp>
     </p:spTree>
     <p:extLst>
       <p:ext uri="{BB962C8B-B14F-4D97-AF65-F5344CB8AC3E}">
-        <p14:creationId xmlns:p14="http://schemas.microsoft.com/office/powerpoint/2010/main" val="4184960861"/>
+        <p14:creationId xmlns="" xmlns:p14="http://schemas.microsoft.com/office/powerpoint/2010/main" val="4184960861"/>
       </p:ext>
     </p:extLst>
   </p:cSld>
@@ -14923,7 +14605,7 @@
           <p:cNvPr id="2" name="Title 1">
             <a:extLst>
               <a:ext uri="{FF2B5EF4-FFF2-40B4-BE49-F238E27FC236}">
-                <a16:creationId xmlns:a16="http://schemas.microsoft.com/office/drawing/2014/main" id="{C4080A6C-93A4-0E59-05AE-8DE8E43F6F9C}"/>
+                <a16:creationId xmlns="" xmlns:a16="http://schemas.microsoft.com/office/drawing/2014/main" id="{C4080A6C-93A4-0E59-05AE-8DE8E43F6F9C}"/>
               </a:ext>
             </a:extLst>
           </p:cNvPr>
@@ -14960,7 +14642,7 @@
           <p:cNvPr id="3" name="Content Placeholder 2">
             <a:extLst>
               <a:ext uri="{FF2B5EF4-FFF2-40B4-BE49-F238E27FC236}">
-                <a16:creationId xmlns:a16="http://schemas.microsoft.com/office/drawing/2014/main" id="{B1E2A159-BCCB-24AB-46BE-6EAF95C3A98B}"/>
+                <a16:creationId xmlns="" xmlns:a16="http://schemas.microsoft.com/office/drawing/2014/main" id="{B1E2A159-BCCB-24AB-46BE-6EAF95C3A98B}"/>
               </a:ext>
             </a:extLst>
           </p:cNvPr>
@@ -15031,69 +14713,10 @@
           </a:p>
         </p:txBody>
       </p:sp>
-      <p:sp>
-        <p:nvSpPr>
-          <p:cNvPr id="4" name="Footer Placeholder 3">
-            <a:extLst>
-              <a:ext uri="{FF2B5EF4-FFF2-40B4-BE49-F238E27FC236}">
-                <a16:creationId xmlns:a16="http://schemas.microsoft.com/office/drawing/2014/main" id="{39C70634-68F9-0AB5-9C45-849183960456}"/>
-              </a:ext>
-            </a:extLst>
-          </p:cNvPr>
-          <p:cNvSpPr>
-            <a:spLocks noGrp="1"/>
-          </p:cNvSpPr>
-          <p:nvPr>
-            <p:ph type="ftr" sz="quarter" idx="3"/>
-          </p:nvPr>
-        </p:nvSpPr>
-        <p:spPr/>
-        <p:txBody>
-          <a:bodyPr/>
-          <a:lstStyle/>
-          <a:p>
-            <a:r>
-              <a:rPr lang="en-US"/>
-              <a:t>PRESENTATION TITLE</a:t>
-            </a:r>
-            <a:endParaRPr lang="en-US" dirty="0"/>
-          </a:p>
-        </p:txBody>
-      </p:sp>
-      <p:sp>
-        <p:nvSpPr>
-          <p:cNvPr id="5" name="Slide Number Placeholder 4">
-            <a:extLst>
-              <a:ext uri="{FF2B5EF4-FFF2-40B4-BE49-F238E27FC236}">
-                <a16:creationId xmlns:a16="http://schemas.microsoft.com/office/drawing/2014/main" id="{737E7183-9584-1E0F-5CF8-2DA3CEAF3431}"/>
-              </a:ext>
-            </a:extLst>
-          </p:cNvPr>
-          <p:cNvSpPr>
-            <a:spLocks noGrp="1"/>
-          </p:cNvSpPr>
-          <p:nvPr>
-            <p:ph type="sldNum" sz="quarter" idx="4"/>
-          </p:nvPr>
-        </p:nvSpPr>
-        <p:spPr/>
-        <p:txBody>
-          <a:bodyPr/>
-          <a:lstStyle/>
-          <a:p>
-            <a:fld id="{294A09A9-5501-47C1-A89A-A340965A2BE2}" type="slidenum">
-              <a:rPr lang="en-US" smtClean="0"/>
-              <a:pPr/>
-              <a:t>8</a:t>
-            </a:fld>
-            <a:endParaRPr lang="en-US" dirty="0"/>
-          </a:p>
-        </p:txBody>
-      </p:sp>
     </p:spTree>
     <p:extLst>
       <p:ext uri="{BB962C8B-B14F-4D97-AF65-F5344CB8AC3E}">
-        <p14:creationId xmlns:p14="http://schemas.microsoft.com/office/powerpoint/2010/main" val="1740984144"/>
+        <p14:creationId xmlns="" xmlns:p14="http://schemas.microsoft.com/office/powerpoint/2010/main" val="1740984144"/>
       </p:ext>
     </p:extLst>
   </p:cSld>
@@ -15125,7 +14748,7 @@
           <p:cNvPr id="2" name="Title 1">
             <a:extLst>
               <a:ext uri="{FF2B5EF4-FFF2-40B4-BE49-F238E27FC236}">
-                <a16:creationId xmlns:a16="http://schemas.microsoft.com/office/drawing/2014/main" id="{8CBAD824-459D-194C-924E-47FE0FAE4674}"/>
+                <a16:creationId xmlns="" xmlns:a16="http://schemas.microsoft.com/office/drawing/2014/main" id="{8CBAD824-459D-194C-924E-47FE0FAE4674}"/>
               </a:ext>
             </a:extLst>
           </p:cNvPr>
@@ -15162,7 +14785,7 @@
           <p:cNvPr id="3" name="Content Placeholder 2">
             <a:extLst>
               <a:ext uri="{FF2B5EF4-FFF2-40B4-BE49-F238E27FC236}">
-                <a16:creationId xmlns:a16="http://schemas.microsoft.com/office/drawing/2014/main" id="{EF62227A-CEC4-F65F-C653-FE7BF5CA82EB}"/>
+                <a16:creationId xmlns="" xmlns:a16="http://schemas.microsoft.com/office/drawing/2014/main" id="{EF62227A-CEC4-F65F-C653-FE7BF5CA82EB}"/>
               </a:ext>
             </a:extLst>
           </p:cNvPr>
@@ -15292,69 +14915,10 @@
           </a:p>
         </p:txBody>
       </p:sp>
-      <p:sp>
-        <p:nvSpPr>
-          <p:cNvPr id="4" name="Footer Placeholder 3">
-            <a:extLst>
-              <a:ext uri="{FF2B5EF4-FFF2-40B4-BE49-F238E27FC236}">
-                <a16:creationId xmlns:a16="http://schemas.microsoft.com/office/drawing/2014/main" id="{576D8002-537C-206B-A832-78E21C1D4DF9}"/>
-              </a:ext>
-            </a:extLst>
-          </p:cNvPr>
-          <p:cNvSpPr>
-            <a:spLocks noGrp="1"/>
-          </p:cNvSpPr>
-          <p:nvPr>
-            <p:ph type="ftr" sz="quarter" idx="3"/>
-          </p:nvPr>
-        </p:nvSpPr>
-        <p:spPr/>
-        <p:txBody>
-          <a:bodyPr/>
-          <a:lstStyle/>
-          <a:p>
-            <a:r>
-              <a:rPr lang="en-US"/>
-              <a:t>PRESENTATION TITLE</a:t>
-            </a:r>
-            <a:endParaRPr lang="en-US" dirty="0"/>
-          </a:p>
-        </p:txBody>
-      </p:sp>
-      <p:sp>
-        <p:nvSpPr>
-          <p:cNvPr id="5" name="Slide Number Placeholder 4">
-            <a:extLst>
-              <a:ext uri="{FF2B5EF4-FFF2-40B4-BE49-F238E27FC236}">
-                <a16:creationId xmlns:a16="http://schemas.microsoft.com/office/drawing/2014/main" id="{758B53BF-5B82-9536-DD49-27A54B5FEEBC}"/>
-              </a:ext>
-            </a:extLst>
-          </p:cNvPr>
-          <p:cNvSpPr>
-            <a:spLocks noGrp="1"/>
-          </p:cNvSpPr>
-          <p:nvPr>
-            <p:ph type="sldNum" sz="quarter" idx="4"/>
-          </p:nvPr>
-        </p:nvSpPr>
-        <p:spPr/>
-        <p:txBody>
-          <a:bodyPr/>
-          <a:lstStyle/>
-          <a:p>
-            <a:fld id="{294A09A9-5501-47C1-A89A-A340965A2BE2}" type="slidenum">
-              <a:rPr lang="en-US" smtClean="0"/>
-              <a:pPr/>
-              <a:t>9</a:t>
-            </a:fld>
-            <a:endParaRPr lang="en-US" dirty="0"/>
-          </a:p>
-        </p:txBody>
-      </p:sp>
     </p:spTree>
     <p:extLst>
       <p:ext uri="{BB962C8B-B14F-4D97-AF65-F5344CB8AC3E}">
-        <p14:creationId xmlns:p14="http://schemas.microsoft.com/office/powerpoint/2010/main" val="4091071622"/>
+        <p14:creationId xmlns="" xmlns:p14="http://schemas.microsoft.com/office/powerpoint/2010/main" val="4091071622"/>
       </p:ext>
     </p:extLst>
   </p:cSld>
@@ -15559,7 +15123,7 @@
   <a:extraClrSchemeLst/>
   <a:extLst>
     <a:ext uri="{05A4C25C-085E-4340-85A3-A5531E510DB2}">
-      <thm15:themeFamily xmlns:thm15="http://schemas.microsoft.com/office/thememl/2012/main" name="Universal presentation" id="{4A1BE7B5-16BB-4EDB-94C0-CDDC43FF64E7}" vid="{7F008C83-F8F9-4FE6-A625-57BD0F448222}"/>
+      <thm15:themeFamily xmlns="" xmlns:thm15="http://schemas.microsoft.com/office/thememl/2012/main" name="Universal presentation" id="{4A1BE7B5-16BB-4EDB-94C0-CDDC43FF64E7}" vid="{7F008C83-F8F9-4FE6-A625-57BD0F448222}"/>
     </a:ext>
   </a:extLst>
 </a:theme>
@@ -15608,7 +15172,7 @@
     </a:clrScheme>
     <a:fontScheme name="Office">
       <a:majorFont>
-        <a:latin typeface="Calibri Light" panose="020F0302020204030204"/>
+        <a:latin typeface="Calibri Light"/>
         <a:ea typeface=""/>
         <a:cs typeface=""/>
         <a:font script="Jpan" typeface="游ゴシック Light"/>
@@ -15660,7 +15224,7 @@
         <a:font script="Tfng" typeface="Ebrima"/>
       </a:majorFont>
       <a:minorFont>
-        <a:latin typeface="Calibri" panose="020F0502020204030204"/>
+        <a:latin typeface="Calibri"/>
         <a:ea typeface=""/>
         <a:cs typeface=""/>
         <a:font script="Jpan" typeface="游ゴシック"/>
@@ -15854,7 +15418,7 @@
   <a:extraClrSchemeLst/>
   <a:extLst>
     <a:ext uri="{05A4C25C-085E-4340-85A3-A5531E510DB2}">
-      <thm15:themeFamily xmlns:thm15="http://schemas.microsoft.com/office/thememl/2012/main" name="Office Theme" id="{62F939B6-93AF-4DB8-9C6B-D6C7DFDC589F}" vid="{4A3C46E8-61CC-4603-A589-7422A47A8E4A}"/>
+      <thm15:themeFamily xmlns="" xmlns:thm15="http://schemas.microsoft.com/office/thememl/2012/main" name="Office Theme" id="{62F939B6-93AF-4DB8-9C6B-D6C7DFDC589F}" vid="{4A3C46E8-61CC-4603-A589-7422A47A8E4A}"/>
     </a:ext>
   </a:extLst>
 </a:theme>
